--- a/angularjs/slides/04_Services.pptx
+++ b/angularjs/slides/04_Services.pptx
@@ -5,27 +5,35 @@
     <p:sldMasterId id="2147483772" r:id="rId1"/>
   </p:sldMasterIdLst>
   <p:notesMasterIdLst>
-    <p:notesMasterId r:id="rId17"/>
+    <p:notesMasterId r:id="rId25"/>
   </p:notesMasterIdLst>
   <p:handoutMasterIdLst>
-    <p:handoutMasterId r:id="rId18"/>
+    <p:handoutMasterId r:id="rId26"/>
   </p:handoutMasterIdLst>
   <p:sldIdLst>
     <p:sldId id="327" r:id="rId2"/>
     <p:sldId id="346" r:id="rId3"/>
-    <p:sldId id="349" r:id="rId4"/>
-    <p:sldId id="351" r:id="rId5"/>
-    <p:sldId id="352" r:id="rId6"/>
-    <p:sldId id="353" r:id="rId7"/>
-    <p:sldId id="354" r:id="rId8"/>
-    <p:sldId id="358" r:id="rId9"/>
-    <p:sldId id="355" r:id="rId10"/>
-    <p:sldId id="356" r:id="rId11"/>
-    <p:sldId id="357" r:id="rId12"/>
-    <p:sldId id="350" r:id="rId13"/>
-    <p:sldId id="347" r:id="rId14"/>
-    <p:sldId id="348" r:id="rId15"/>
-    <p:sldId id="345" r:id="rId16"/>
+    <p:sldId id="359" r:id="rId4"/>
+    <p:sldId id="349" r:id="rId5"/>
+    <p:sldId id="351" r:id="rId6"/>
+    <p:sldId id="352" r:id="rId7"/>
+    <p:sldId id="353" r:id="rId8"/>
+    <p:sldId id="364" r:id="rId9"/>
+    <p:sldId id="354" r:id="rId10"/>
+    <p:sldId id="358" r:id="rId11"/>
+    <p:sldId id="355" r:id="rId12"/>
+    <p:sldId id="356" r:id="rId13"/>
+    <p:sldId id="357" r:id="rId14"/>
+    <p:sldId id="350" r:id="rId15"/>
+    <p:sldId id="347" r:id="rId16"/>
+    <p:sldId id="348" r:id="rId17"/>
+    <p:sldId id="360" r:id="rId18"/>
+    <p:sldId id="361" r:id="rId19"/>
+    <p:sldId id="362" r:id="rId20"/>
+    <p:sldId id="363" r:id="rId21"/>
+    <p:sldId id="365" r:id="rId22"/>
+    <p:sldId id="366" r:id="rId23"/>
+    <p:sldId id="345" r:id="rId24"/>
   </p:sldIdLst>
   <p:sldSz cx="9144000" cy="6858000" type="screen4x3"/>
   <p:notesSz cx="7302500" cy="9588500"/>
@@ -278,7 +286,7 @@
               <a:pPr>
                 <a:defRPr/>
               </a:pPr>
-              <a:t>11/24/2013</a:t>
+              <a:t>11/26/2013</a:t>
             </a:fld>
             <a:endParaRPr lang="en-US"/>
           </a:p>
@@ -2562,7 +2570,7 @@
           <a:p>
             <a:r>
               <a:rPr lang="en-US" dirty="0" smtClean="0"/>
-              <a:t>Overriding Services</a:t>
+              <a:t>$window and $document</a:t>
             </a:r>
             <a:endParaRPr lang="en-US" dirty="0"/>
           </a:p>
@@ -2590,7 +2598,7 @@
     </p:spTree>
     <p:extLst>
       <p:ext uri="{BB962C8B-B14F-4D97-AF65-F5344CB8AC3E}">
-        <p14:creationId xmlns:p14="http://schemas.microsoft.com/office/powerpoint/2010/main" val="1165664887"/>
+        <p14:creationId xmlns:p14="http://schemas.microsoft.com/office/powerpoint/2010/main" val="4055633305"/>
       </p:ext>
     </p:extLst>
   </p:cSld>
@@ -2637,7 +2645,11 @@
           <a:p>
             <a:r>
               <a:rPr lang="en-US" dirty="0" smtClean="0"/>
-              <a:t>Decorating Services</a:t>
+              <a:t>$</a:t>
+            </a:r>
+            <a:r>
+              <a:rPr lang="en-US" dirty="0" err="1" smtClean="0"/>
+              <a:t>exceptionHandler</a:t>
             </a:r>
             <a:endParaRPr lang="en-US" dirty="0"/>
           </a:p>
@@ -2665,7 +2677,7 @@
     </p:spTree>
     <p:extLst>
       <p:ext uri="{BB962C8B-B14F-4D97-AF65-F5344CB8AC3E}">
-        <p14:creationId xmlns:p14="http://schemas.microsoft.com/office/powerpoint/2010/main" val="999578250"/>
+        <p14:creationId xmlns:p14="http://schemas.microsoft.com/office/powerpoint/2010/main" val="3954335703"/>
       </p:ext>
     </p:extLst>
   </p:cSld>
@@ -2712,7 +2724,7 @@
           <a:p>
             <a:r>
               <a:rPr lang="en-US" dirty="0" smtClean="0"/>
-              <a:t>Resources</a:t>
+              <a:t>Overriding Services</a:t>
             </a:r>
             <a:endParaRPr lang="en-US" dirty="0"/>
           </a:p>
@@ -2740,7 +2752,7 @@
     </p:spTree>
     <p:extLst>
       <p:ext uri="{BB962C8B-B14F-4D97-AF65-F5344CB8AC3E}">
-        <p14:creationId xmlns:p14="http://schemas.microsoft.com/office/powerpoint/2010/main" val="847724839"/>
+        <p14:creationId xmlns:p14="http://schemas.microsoft.com/office/powerpoint/2010/main" val="1165664887"/>
       </p:ext>
     </p:extLst>
   </p:cSld>
@@ -2787,7 +2799,7 @@
           <a:p>
             <a:r>
               <a:rPr lang="en-US" dirty="0" smtClean="0"/>
-              <a:t>Service Providers</a:t>
+              <a:t>Decorating Services</a:t>
             </a:r>
             <a:endParaRPr lang="en-US" dirty="0"/>
           </a:p>
@@ -2815,7 +2827,7 @@
     </p:spTree>
     <p:extLst>
       <p:ext uri="{BB962C8B-B14F-4D97-AF65-F5344CB8AC3E}">
-        <p14:creationId xmlns:p14="http://schemas.microsoft.com/office/powerpoint/2010/main" val="769609760"/>
+        <p14:creationId xmlns:p14="http://schemas.microsoft.com/office/powerpoint/2010/main" val="999578250"/>
       </p:ext>
     </p:extLst>
   </p:cSld>
@@ -2862,7 +2874,157 @@
           <a:p>
             <a:r>
               <a:rPr lang="en-US" dirty="0" smtClean="0"/>
-              <a:t>Services, Factories, Values, Constants</a:t>
+              <a:t>Resources</a:t>
+            </a:r>
+            <a:endParaRPr lang="en-US" dirty="0"/>
+          </a:p>
+        </p:txBody>
+      </p:sp>
+      <p:sp>
+        <p:nvSpPr>
+          <p:cNvPr id="3" name="Text Placeholder 2"/>
+          <p:cNvSpPr>
+            <a:spLocks noGrp="1"/>
+          </p:cNvSpPr>
+          <p:nvPr>
+            <p:ph type="body" idx="1"/>
+          </p:nvPr>
+        </p:nvSpPr>
+        <p:spPr/>
+        <p:txBody>
+          <a:bodyPr/>
+          <a:lstStyle/>
+          <a:p>
+            <a:endParaRPr lang="en-US"/>
+          </a:p>
+        </p:txBody>
+      </p:sp>
+    </p:spTree>
+    <p:extLst>
+      <p:ext uri="{BB962C8B-B14F-4D97-AF65-F5344CB8AC3E}">
+        <p14:creationId xmlns:p14="http://schemas.microsoft.com/office/powerpoint/2010/main" val="847724839"/>
+      </p:ext>
+    </p:extLst>
+  </p:cSld>
+  <p:clrMapOvr>
+    <a:masterClrMapping/>
+  </p:clrMapOvr>
+  <p:transition>
+    <p:fade/>
+  </p:transition>
+</p:sld>
+</file>
+
+<file path=ppt/slides/slide15.xml><?xml version="1.0" encoding="utf-8"?>
+<p:sld xmlns:a="http://schemas.openxmlformats.org/drawingml/2006/main" xmlns:r="http://schemas.openxmlformats.org/officeDocument/2006/relationships" xmlns:p="http://schemas.openxmlformats.org/presentationml/2006/main">
+  <p:cSld>
+    <p:spTree>
+      <p:nvGrpSpPr>
+        <p:cNvPr id="1" name=""/>
+        <p:cNvGrpSpPr/>
+        <p:nvPr/>
+      </p:nvGrpSpPr>
+      <p:grpSpPr>
+        <a:xfrm>
+          <a:off x="0" y="0"/>
+          <a:ext cx="0" cy="0"/>
+          <a:chOff x="0" y="0"/>
+          <a:chExt cx="0" cy="0"/>
+        </a:xfrm>
+      </p:grpSpPr>
+      <p:sp>
+        <p:nvSpPr>
+          <p:cNvPr id="2" name="Title 1"/>
+          <p:cNvSpPr>
+            <a:spLocks noGrp="1"/>
+          </p:cNvSpPr>
+          <p:nvPr>
+            <p:ph type="title"/>
+          </p:nvPr>
+        </p:nvSpPr>
+        <p:spPr/>
+        <p:txBody>
+          <a:bodyPr/>
+          <a:lstStyle/>
+          <a:p>
+            <a:r>
+              <a:rPr lang="en-US" dirty="0" smtClean="0"/>
+              <a:t>Service Providers</a:t>
+            </a:r>
+            <a:endParaRPr lang="en-US" dirty="0"/>
+          </a:p>
+        </p:txBody>
+      </p:sp>
+      <p:sp>
+        <p:nvSpPr>
+          <p:cNvPr id="3" name="Text Placeholder 2"/>
+          <p:cNvSpPr>
+            <a:spLocks noGrp="1"/>
+          </p:cNvSpPr>
+          <p:nvPr>
+            <p:ph type="body" idx="1"/>
+          </p:nvPr>
+        </p:nvSpPr>
+        <p:spPr/>
+        <p:txBody>
+          <a:bodyPr/>
+          <a:lstStyle/>
+          <a:p>
+            <a:endParaRPr lang="en-US"/>
+          </a:p>
+        </p:txBody>
+      </p:sp>
+    </p:spTree>
+    <p:extLst>
+      <p:ext uri="{BB962C8B-B14F-4D97-AF65-F5344CB8AC3E}">
+        <p14:creationId xmlns:p14="http://schemas.microsoft.com/office/powerpoint/2010/main" val="769609760"/>
+      </p:ext>
+    </p:extLst>
+  </p:cSld>
+  <p:clrMapOvr>
+    <a:masterClrMapping/>
+  </p:clrMapOvr>
+  <p:transition>
+    <p:fade/>
+  </p:transition>
+</p:sld>
+</file>
+
+<file path=ppt/slides/slide16.xml><?xml version="1.0" encoding="utf-8"?>
+<p:sld xmlns:a="http://schemas.openxmlformats.org/drawingml/2006/main" xmlns:r="http://schemas.openxmlformats.org/officeDocument/2006/relationships" xmlns:p="http://schemas.openxmlformats.org/presentationml/2006/main">
+  <p:cSld>
+    <p:spTree>
+      <p:nvGrpSpPr>
+        <p:cNvPr id="1" name=""/>
+        <p:cNvGrpSpPr/>
+        <p:nvPr/>
+      </p:nvGrpSpPr>
+      <p:grpSpPr>
+        <a:xfrm>
+          <a:off x="0" y="0"/>
+          <a:ext cx="0" cy="0"/>
+          <a:chOff x="0" y="0"/>
+          <a:chExt cx="0" cy="0"/>
+        </a:xfrm>
+      </p:grpSpPr>
+      <p:sp>
+        <p:nvSpPr>
+          <p:cNvPr id="2" name="Title 1"/>
+          <p:cNvSpPr>
+            <a:spLocks noGrp="1"/>
+          </p:cNvSpPr>
+          <p:nvPr>
+            <p:ph type="title"/>
+          </p:nvPr>
+        </p:nvSpPr>
+        <p:spPr/>
+        <p:txBody>
+          <a:bodyPr/>
+          <a:lstStyle/>
+          <a:p>
+            <a:r>
+              <a:rPr lang="en-US" dirty="0" smtClean="0"/>
+              <a:t>Creating Services - Value</a:t>
             </a:r>
             <a:endParaRPr lang="en-US" dirty="0"/>
           </a:p>
@@ -2903,7 +3065,536 @@
 </p:sld>
 </file>
 
-<file path=ppt/slides/slide15.xml><?xml version="1.0" encoding="utf-8"?>
+<file path=ppt/slides/slide17.xml><?xml version="1.0" encoding="utf-8"?>
+<p:sld xmlns:a="http://schemas.openxmlformats.org/drawingml/2006/main" xmlns:r="http://schemas.openxmlformats.org/officeDocument/2006/relationships" xmlns:p="http://schemas.openxmlformats.org/presentationml/2006/main">
+  <p:cSld>
+    <p:spTree>
+      <p:nvGrpSpPr>
+        <p:cNvPr id="1" name=""/>
+        <p:cNvGrpSpPr/>
+        <p:nvPr/>
+      </p:nvGrpSpPr>
+      <p:grpSpPr>
+        <a:xfrm>
+          <a:off x="0" y="0"/>
+          <a:ext cx="0" cy="0"/>
+          <a:chOff x="0" y="0"/>
+          <a:chExt cx="0" cy="0"/>
+        </a:xfrm>
+      </p:grpSpPr>
+      <p:sp>
+        <p:nvSpPr>
+          <p:cNvPr id="2" name="Title 1"/>
+          <p:cNvSpPr>
+            <a:spLocks noGrp="1"/>
+          </p:cNvSpPr>
+          <p:nvPr>
+            <p:ph type="title"/>
+          </p:nvPr>
+        </p:nvSpPr>
+        <p:spPr/>
+        <p:txBody>
+          <a:bodyPr/>
+          <a:lstStyle/>
+          <a:p>
+            <a:r>
+              <a:rPr lang="en-US" dirty="0" smtClean="0"/>
+              <a:t>Creating services - constant</a:t>
+            </a:r>
+            <a:endParaRPr lang="en-US" dirty="0"/>
+          </a:p>
+        </p:txBody>
+      </p:sp>
+      <p:sp>
+        <p:nvSpPr>
+          <p:cNvPr id="3" name="Text Placeholder 2"/>
+          <p:cNvSpPr>
+            <a:spLocks noGrp="1"/>
+          </p:cNvSpPr>
+          <p:nvPr>
+            <p:ph type="body" idx="1"/>
+          </p:nvPr>
+        </p:nvSpPr>
+        <p:spPr/>
+        <p:txBody>
+          <a:bodyPr/>
+          <a:lstStyle/>
+          <a:p>
+            <a:endParaRPr lang="en-US"/>
+          </a:p>
+        </p:txBody>
+      </p:sp>
+    </p:spTree>
+    <p:extLst>
+      <p:ext uri="{BB962C8B-B14F-4D97-AF65-F5344CB8AC3E}">
+        <p14:creationId xmlns:p14="http://schemas.microsoft.com/office/powerpoint/2010/main" val="297298471"/>
+      </p:ext>
+    </p:extLst>
+  </p:cSld>
+  <p:clrMapOvr>
+    <a:masterClrMapping/>
+  </p:clrMapOvr>
+  <p:transition>
+    <p:fade/>
+  </p:transition>
+</p:sld>
+</file>
+
+<file path=ppt/slides/slide18.xml><?xml version="1.0" encoding="utf-8"?>
+<p:sld xmlns:a="http://schemas.openxmlformats.org/drawingml/2006/main" xmlns:r="http://schemas.openxmlformats.org/officeDocument/2006/relationships" xmlns:p="http://schemas.openxmlformats.org/presentationml/2006/main">
+  <p:cSld>
+    <p:spTree>
+      <p:nvGrpSpPr>
+        <p:cNvPr id="1" name=""/>
+        <p:cNvGrpSpPr/>
+        <p:nvPr/>
+      </p:nvGrpSpPr>
+      <p:grpSpPr>
+        <a:xfrm>
+          <a:off x="0" y="0"/>
+          <a:ext cx="0" cy="0"/>
+          <a:chOff x="0" y="0"/>
+          <a:chExt cx="0" cy="0"/>
+        </a:xfrm>
+      </p:grpSpPr>
+      <p:sp>
+        <p:nvSpPr>
+          <p:cNvPr id="2" name="Title 1"/>
+          <p:cNvSpPr>
+            <a:spLocks noGrp="1"/>
+          </p:cNvSpPr>
+          <p:nvPr>
+            <p:ph type="title"/>
+          </p:nvPr>
+        </p:nvSpPr>
+        <p:spPr/>
+        <p:txBody>
+          <a:bodyPr/>
+          <a:lstStyle/>
+          <a:p>
+            <a:r>
+              <a:rPr lang="en-US" dirty="0" smtClean="0"/>
+              <a:t>Creating services - service</a:t>
+            </a:r>
+            <a:endParaRPr lang="en-US" dirty="0"/>
+          </a:p>
+        </p:txBody>
+      </p:sp>
+      <p:sp>
+        <p:nvSpPr>
+          <p:cNvPr id="3" name="Text Placeholder 2"/>
+          <p:cNvSpPr>
+            <a:spLocks noGrp="1"/>
+          </p:cNvSpPr>
+          <p:nvPr>
+            <p:ph type="body" idx="1"/>
+          </p:nvPr>
+        </p:nvSpPr>
+        <p:spPr/>
+        <p:txBody>
+          <a:bodyPr/>
+          <a:lstStyle/>
+          <a:p>
+            <a:endParaRPr lang="en-US"/>
+          </a:p>
+        </p:txBody>
+      </p:sp>
+    </p:spTree>
+    <p:extLst>
+      <p:ext uri="{BB962C8B-B14F-4D97-AF65-F5344CB8AC3E}">
+        <p14:creationId xmlns:p14="http://schemas.microsoft.com/office/powerpoint/2010/main" val="1263298703"/>
+      </p:ext>
+    </p:extLst>
+  </p:cSld>
+  <p:clrMapOvr>
+    <a:masterClrMapping/>
+  </p:clrMapOvr>
+  <p:transition>
+    <p:fade/>
+  </p:transition>
+</p:sld>
+</file>
+
+<file path=ppt/slides/slide19.xml><?xml version="1.0" encoding="utf-8"?>
+<p:sld xmlns:a="http://schemas.openxmlformats.org/drawingml/2006/main" xmlns:r="http://schemas.openxmlformats.org/officeDocument/2006/relationships" xmlns:p="http://schemas.openxmlformats.org/presentationml/2006/main">
+  <p:cSld>
+    <p:spTree>
+      <p:nvGrpSpPr>
+        <p:cNvPr id="1" name=""/>
+        <p:cNvGrpSpPr/>
+        <p:nvPr/>
+      </p:nvGrpSpPr>
+      <p:grpSpPr>
+        <a:xfrm>
+          <a:off x="0" y="0"/>
+          <a:ext cx="0" cy="0"/>
+          <a:chOff x="0" y="0"/>
+          <a:chExt cx="0" cy="0"/>
+        </a:xfrm>
+      </p:grpSpPr>
+      <p:sp>
+        <p:nvSpPr>
+          <p:cNvPr id="2" name="Title 1"/>
+          <p:cNvSpPr>
+            <a:spLocks noGrp="1"/>
+          </p:cNvSpPr>
+          <p:nvPr>
+            <p:ph type="title"/>
+          </p:nvPr>
+        </p:nvSpPr>
+        <p:spPr/>
+        <p:txBody>
+          <a:bodyPr/>
+          <a:lstStyle/>
+          <a:p>
+            <a:r>
+              <a:rPr lang="en-US" dirty="0" smtClean="0"/>
+              <a:t>Creating services- factory</a:t>
+            </a:r>
+            <a:endParaRPr lang="en-US" dirty="0"/>
+          </a:p>
+        </p:txBody>
+      </p:sp>
+      <p:sp>
+        <p:nvSpPr>
+          <p:cNvPr id="3" name="Text Placeholder 2"/>
+          <p:cNvSpPr>
+            <a:spLocks noGrp="1"/>
+          </p:cNvSpPr>
+          <p:nvPr>
+            <p:ph type="body" idx="1"/>
+          </p:nvPr>
+        </p:nvSpPr>
+        <p:spPr/>
+        <p:txBody>
+          <a:bodyPr/>
+          <a:lstStyle/>
+          <a:p>
+            <a:endParaRPr lang="en-US"/>
+          </a:p>
+        </p:txBody>
+      </p:sp>
+    </p:spTree>
+    <p:extLst>
+      <p:ext uri="{BB962C8B-B14F-4D97-AF65-F5344CB8AC3E}">
+        <p14:creationId xmlns:p14="http://schemas.microsoft.com/office/powerpoint/2010/main" val="1569075231"/>
+      </p:ext>
+    </p:extLst>
+  </p:cSld>
+  <p:clrMapOvr>
+    <a:masterClrMapping/>
+  </p:clrMapOvr>
+  <p:transition>
+    <p:fade/>
+  </p:transition>
+</p:sld>
+</file>
+
+<file path=ppt/slides/slide2.xml><?xml version="1.0" encoding="utf-8"?>
+<p:sld xmlns:a="http://schemas.openxmlformats.org/drawingml/2006/main" xmlns:r="http://schemas.openxmlformats.org/officeDocument/2006/relationships" xmlns:p="http://schemas.openxmlformats.org/presentationml/2006/main">
+  <p:cSld>
+    <p:spTree>
+      <p:nvGrpSpPr>
+        <p:cNvPr id="1" name=""/>
+        <p:cNvGrpSpPr/>
+        <p:nvPr/>
+      </p:nvGrpSpPr>
+      <p:grpSpPr>
+        <a:xfrm>
+          <a:off x="0" y="0"/>
+          <a:ext cx="0" cy="0"/>
+          <a:chOff x="0" y="0"/>
+          <a:chExt cx="0" cy="0"/>
+        </a:xfrm>
+      </p:grpSpPr>
+      <p:sp>
+        <p:nvSpPr>
+          <p:cNvPr id="2" name="Title 1"/>
+          <p:cNvSpPr>
+            <a:spLocks noGrp="1"/>
+          </p:cNvSpPr>
+          <p:nvPr>
+            <p:ph type="title"/>
+          </p:nvPr>
+        </p:nvSpPr>
+        <p:spPr/>
+        <p:txBody>
+          <a:bodyPr/>
+          <a:lstStyle/>
+          <a:p>
+            <a:r>
+              <a:rPr lang="en-US" dirty="0" smtClean="0"/>
+              <a:t>What’s A Service?</a:t>
+            </a:r>
+            <a:endParaRPr lang="en-US" dirty="0"/>
+          </a:p>
+        </p:txBody>
+      </p:sp>
+      <p:sp>
+        <p:nvSpPr>
+          <p:cNvPr id="3" name="Text Placeholder 2"/>
+          <p:cNvSpPr>
+            <a:spLocks noGrp="1"/>
+          </p:cNvSpPr>
+          <p:nvPr>
+            <p:ph type="body" idx="1"/>
+          </p:nvPr>
+        </p:nvSpPr>
+        <p:spPr/>
+        <p:txBody>
+          <a:bodyPr/>
+          <a:lstStyle/>
+          <a:p>
+            <a:endParaRPr lang="en-US"/>
+          </a:p>
+        </p:txBody>
+      </p:sp>
+    </p:spTree>
+    <p:extLst>
+      <p:ext uri="{BB962C8B-B14F-4D97-AF65-F5344CB8AC3E}">
+        <p14:creationId xmlns:p14="http://schemas.microsoft.com/office/powerpoint/2010/main" val="1018487644"/>
+      </p:ext>
+    </p:extLst>
+  </p:cSld>
+  <p:clrMapOvr>
+    <a:masterClrMapping/>
+  </p:clrMapOvr>
+  <p:transition>
+    <p:fade/>
+  </p:transition>
+</p:sld>
+</file>
+
+<file path=ppt/slides/slide20.xml><?xml version="1.0" encoding="utf-8"?>
+<p:sld xmlns:a="http://schemas.openxmlformats.org/drawingml/2006/main" xmlns:r="http://schemas.openxmlformats.org/officeDocument/2006/relationships" xmlns:p="http://schemas.openxmlformats.org/presentationml/2006/main">
+  <p:cSld>
+    <p:spTree>
+      <p:nvGrpSpPr>
+        <p:cNvPr id="1" name=""/>
+        <p:cNvGrpSpPr/>
+        <p:nvPr/>
+      </p:nvGrpSpPr>
+      <p:grpSpPr>
+        <a:xfrm>
+          <a:off x="0" y="0"/>
+          <a:ext cx="0" cy="0"/>
+          <a:chOff x="0" y="0"/>
+          <a:chExt cx="0" cy="0"/>
+        </a:xfrm>
+      </p:grpSpPr>
+      <p:sp>
+        <p:nvSpPr>
+          <p:cNvPr id="2" name="Title 1"/>
+          <p:cNvSpPr>
+            <a:spLocks noGrp="1"/>
+          </p:cNvSpPr>
+          <p:nvPr>
+            <p:ph type="title"/>
+          </p:nvPr>
+        </p:nvSpPr>
+        <p:spPr/>
+        <p:txBody>
+          <a:bodyPr/>
+          <a:lstStyle/>
+          <a:p>
+            <a:r>
+              <a:rPr lang="en-US" dirty="0" smtClean="0"/>
+              <a:t>Creating services </a:t>
+            </a:r>
+            <a:r>
+              <a:rPr lang="en-US" smtClean="0"/>
+              <a:t>- providers</a:t>
+            </a:r>
+            <a:endParaRPr lang="en-US" dirty="0"/>
+          </a:p>
+        </p:txBody>
+      </p:sp>
+      <p:sp>
+        <p:nvSpPr>
+          <p:cNvPr id="3" name="Text Placeholder 2"/>
+          <p:cNvSpPr>
+            <a:spLocks noGrp="1"/>
+          </p:cNvSpPr>
+          <p:nvPr>
+            <p:ph type="body" idx="1"/>
+          </p:nvPr>
+        </p:nvSpPr>
+        <p:spPr/>
+        <p:txBody>
+          <a:bodyPr/>
+          <a:lstStyle/>
+          <a:p>
+            <a:endParaRPr lang="en-US"/>
+          </a:p>
+        </p:txBody>
+      </p:sp>
+    </p:spTree>
+    <p:extLst>
+      <p:ext uri="{BB962C8B-B14F-4D97-AF65-F5344CB8AC3E}">
+        <p14:creationId xmlns:p14="http://schemas.microsoft.com/office/powerpoint/2010/main" val="632092243"/>
+      </p:ext>
+    </p:extLst>
+  </p:cSld>
+  <p:clrMapOvr>
+    <a:masterClrMapping/>
+  </p:clrMapOvr>
+  <p:transition>
+    <p:fade/>
+  </p:transition>
+</p:sld>
+</file>
+
+<file path=ppt/slides/slide21.xml><?xml version="1.0" encoding="utf-8"?>
+<p:sld xmlns:a="http://schemas.openxmlformats.org/drawingml/2006/main" xmlns:r="http://schemas.openxmlformats.org/officeDocument/2006/relationships" xmlns:p="http://schemas.openxmlformats.org/presentationml/2006/main">
+  <p:cSld>
+    <p:spTree>
+      <p:nvGrpSpPr>
+        <p:cNvPr id="1" name=""/>
+        <p:cNvGrpSpPr/>
+        <p:nvPr/>
+      </p:nvGrpSpPr>
+      <p:grpSpPr>
+        <a:xfrm>
+          <a:off x="0" y="0"/>
+          <a:ext cx="0" cy="0"/>
+          <a:chOff x="0" y="0"/>
+          <a:chExt cx="0" cy="0"/>
+        </a:xfrm>
+      </p:grpSpPr>
+      <p:sp>
+        <p:nvSpPr>
+          <p:cNvPr id="2" name="Title 1"/>
+          <p:cNvSpPr>
+            <a:spLocks noGrp="1"/>
+          </p:cNvSpPr>
+          <p:nvPr>
+            <p:ph type="title"/>
+          </p:nvPr>
+        </p:nvSpPr>
+        <p:spPr/>
+        <p:txBody>
+          <a:bodyPr/>
+          <a:lstStyle/>
+          <a:p>
+            <a:r>
+              <a:rPr lang="en-US" dirty="0" smtClean="0"/>
+              <a:t>HTTP Interceptors</a:t>
+            </a:r>
+            <a:endParaRPr lang="en-US" dirty="0"/>
+          </a:p>
+        </p:txBody>
+      </p:sp>
+      <p:sp>
+        <p:nvSpPr>
+          <p:cNvPr id="3" name="Text Placeholder 2"/>
+          <p:cNvSpPr>
+            <a:spLocks noGrp="1"/>
+          </p:cNvSpPr>
+          <p:nvPr>
+            <p:ph type="body" idx="1"/>
+          </p:nvPr>
+        </p:nvSpPr>
+        <p:spPr/>
+        <p:txBody>
+          <a:bodyPr/>
+          <a:lstStyle/>
+          <a:p>
+            <a:endParaRPr lang="en-US"/>
+          </a:p>
+        </p:txBody>
+      </p:sp>
+    </p:spTree>
+    <p:extLst>
+      <p:ext uri="{BB962C8B-B14F-4D97-AF65-F5344CB8AC3E}">
+        <p14:creationId xmlns:p14="http://schemas.microsoft.com/office/powerpoint/2010/main" val="518663016"/>
+      </p:ext>
+    </p:extLst>
+  </p:cSld>
+  <p:clrMapOvr>
+    <a:masterClrMapping/>
+  </p:clrMapOvr>
+  <p:transition>
+    <p:fade/>
+  </p:transition>
+</p:sld>
+</file>
+
+<file path=ppt/slides/slide22.xml><?xml version="1.0" encoding="utf-8"?>
+<p:sld xmlns:a="http://schemas.openxmlformats.org/drawingml/2006/main" xmlns:r="http://schemas.openxmlformats.org/officeDocument/2006/relationships" xmlns:p="http://schemas.openxmlformats.org/presentationml/2006/main">
+  <p:cSld>
+    <p:spTree>
+      <p:nvGrpSpPr>
+        <p:cNvPr id="1" name=""/>
+        <p:cNvGrpSpPr/>
+        <p:nvPr/>
+      </p:nvGrpSpPr>
+      <p:grpSpPr>
+        <a:xfrm>
+          <a:off x="0" y="0"/>
+          <a:ext cx="0" cy="0"/>
+          <a:chOff x="0" y="0"/>
+          <a:chExt cx="0" cy="0"/>
+        </a:xfrm>
+      </p:grpSpPr>
+      <p:sp>
+        <p:nvSpPr>
+          <p:cNvPr id="2" name="Title 1"/>
+          <p:cNvSpPr>
+            <a:spLocks noGrp="1"/>
+          </p:cNvSpPr>
+          <p:nvPr>
+            <p:ph type="title"/>
+          </p:nvPr>
+        </p:nvSpPr>
+        <p:spPr/>
+        <p:txBody>
+          <a:bodyPr/>
+          <a:lstStyle/>
+          <a:p>
+            <a:r>
+              <a:rPr lang="en-US" dirty="0" smtClean="0"/>
+              <a:t>HTTP Transforms</a:t>
+            </a:r>
+            <a:endParaRPr lang="en-US" dirty="0"/>
+          </a:p>
+        </p:txBody>
+      </p:sp>
+      <p:sp>
+        <p:nvSpPr>
+          <p:cNvPr id="3" name="Text Placeholder 2"/>
+          <p:cNvSpPr>
+            <a:spLocks noGrp="1"/>
+          </p:cNvSpPr>
+          <p:nvPr>
+            <p:ph type="body" idx="1"/>
+          </p:nvPr>
+        </p:nvSpPr>
+        <p:spPr/>
+        <p:txBody>
+          <a:bodyPr/>
+          <a:lstStyle/>
+          <a:p>
+            <a:endParaRPr lang="en-US"/>
+          </a:p>
+        </p:txBody>
+      </p:sp>
+    </p:spTree>
+    <p:extLst>
+      <p:ext uri="{BB962C8B-B14F-4D97-AF65-F5344CB8AC3E}">
+        <p14:creationId xmlns:p14="http://schemas.microsoft.com/office/powerpoint/2010/main" val="20407956"/>
+      </p:ext>
+    </p:extLst>
+  </p:cSld>
+  <p:clrMapOvr>
+    <a:masterClrMapping/>
+  </p:clrMapOvr>
+  <p:transition>
+    <p:fade/>
+  </p:transition>
+</p:sld>
+</file>
+
+<file path=ppt/slides/slide23.xml><?xml version="1.0" encoding="utf-8"?>
 <p:sld xmlns:a="http://schemas.openxmlformats.org/drawingml/2006/main" xmlns:r="http://schemas.openxmlformats.org/officeDocument/2006/relationships" xmlns:p="http://schemas.openxmlformats.org/presentationml/2006/main">
   <p:cSld>
     <p:spTree>
@@ -3019,81 +3710,6 @@
 </p:sld>
 </file>
 
-<file path=ppt/slides/slide2.xml><?xml version="1.0" encoding="utf-8"?>
-<p:sld xmlns:a="http://schemas.openxmlformats.org/drawingml/2006/main" xmlns:r="http://schemas.openxmlformats.org/officeDocument/2006/relationships" xmlns:p="http://schemas.openxmlformats.org/presentationml/2006/main">
-  <p:cSld>
-    <p:spTree>
-      <p:nvGrpSpPr>
-        <p:cNvPr id="1" name=""/>
-        <p:cNvGrpSpPr/>
-        <p:nvPr/>
-      </p:nvGrpSpPr>
-      <p:grpSpPr>
-        <a:xfrm>
-          <a:off x="0" y="0"/>
-          <a:ext cx="0" cy="0"/>
-          <a:chOff x="0" y="0"/>
-          <a:chExt cx="0" cy="0"/>
-        </a:xfrm>
-      </p:grpSpPr>
-      <p:sp>
-        <p:nvSpPr>
-          <p:cNvPr id="2" name="Title 1"/>
-          <p:cNvSpPr>
-            <a:spLocks noGrp="1"/>
-          </p:cNvSpPr>
-          <p:nvPr>
-            <p:ph type="title"/>
-          </p:nvPr>
-        </p:nvSpPr>
-        <p:spPr/>
-        <p:txBody>
-          <a:bodyPr/>
-          <a:lstStyle/>
-          <a:p>
-            <a:r>
-              <a:rPr lang="en-US" dirty="0" smtClean="0"/>
-              <a:t>What’s A Service?</a:t>
-            </a:r>
-            <a:endParaRPr lang="en-US" dirty="0"/>
-          </a:p>
-        </p:txBody>
-      </p:sp>
-      <p:sp>
-        <p:nvSpPr>
-          <p:cNvPr id="3" name="Text Placeholder 2"/>
-          <p:cNvSpPr>
-            <a:spLocks noGrp="1"/>
-          </p:cNvSpPr>
-          <p:nvPr>
-            <p:ph type="body" idx="1"/>
-          </p:nvPr>
-        </p:nvSpPr>
-        <p:spPr/>
-        <p:txBody>
-          <a:bodyPr/>
-          <a:lstStyle/>
-          <a:p>
-            <a:endParaRPr lang="en-US"/>
-          </a:p>
-        </p:txBody>
-      </p:sp>
-    </p:spTree>
-    <p:extLst>
-      <p:ext uri="{BB962C8B-B14F-4D97-AF65-F5344CB8AC3E}">
-        <p14:creationId xmlns:p14="http://schemas.microsoft.com/office/powerpoint/2010/main" val="1018487644"/>
-      </p:ext>
-    </p:extLst>
-  </p:cSld>
-  <p:clrMapOvr>
-    <a:masterClrMapping/>
-  </p:clrMapOvr>
-  <p:transition>
-    <p:fade/>
-  </p:transition>
-</p:sld>
-</file>
-
 <file path=ppt/slides/slide3.xml><?xml version="1.0" encoding="utf-8"?>
 <p:sld xmlns:a="http://schemas.openxmlformats.org/drawingml/2006/main" xmlns:r="http://schemas.openxmlformats.org/officeDocument/2006/relationships" xmlns:p="http://schemas.openxmlformats.org/presentationml/2006/main">
   <p:cSld>
@@ -3128,7 +3744,7 @@
           <a:p>
             <a:r>
               <a:rPr lang="en-US" dirty="0" smtClean="0"/>
-              <a:t>Built-in Services</a:t>
+              <a:t>Services versus Controllers</a:t>
             </a:r>
             <a:endParaRPr lang="en-US" dirty="0"/>
           </a:p>
@@ -3149,14 +3765,45 @@
           <a:bodyPr/>
           <a:lstStyle/>
           <a:p>
-            <a:endParaRPr lang="en-US"/>
+            <a:r>
+              <a:rPr lang="en-US" dirty="0"/>
+              <a:t>Controllers manipulate $</a:t>
+            </a:r>
+            <a:r>
+              <a:rPr lang="en-US" dirty="0" smtClean="0"/>
+              <a:t>scope</a:t>
+            </a:r>
+          </a:p>
+          <a:p>
+            <a:r>
+              <a:rPr lang="en-US" dirty="0" smtClean="0"/>
+              <a:t>Services can make HTTP requests</a:t>
+            </a:r>
+          </a:p>
+          <a:p>
+            <a:r>
+              <a:rPr lang="en-US" dirty="0" smtClean="0"/>
+              <a:t>Services can hold state</a:t>
+            </a:r>
+          </a:p>
+          <a:p>
+            <a:r>
+              <a:rPr lang="en-US" dirty="0" smtClean="0"/>
+              <a:t>Services are singletons</a:t>
+            </a:r>
+          </a:p>
+          <a:p>
+            <a:r>
+              <a:rPr lang="en-US" dirty="0" smtClean="0"/>
+              <a:t>Services can have logic</a:t>
+            </a:r>
           </a:p>
         </p:txBody>
       </p:sp>
     </p:spTree>
     <p:extLst>
       <p:ext uri="{BB962C8B-B14F-4D97-AF65-F5344CB8AC3E}">
-        <p14:creationId xmlns:p14="http://schemas.microsoft.com/office/powerpoint/2010/main" val="3877396217"/>
+        <p14:creationId xmlns:p14="http://schemas.microsoft.com/office/powerpoint/2010/main" val="1412004859"/>
       </p:ext>
     </p:extLst>
   </p:cSld>
@@ -3203,11 +3850,7 @@
           <a:p>
             <a:r>
               <a:rPr lang="en-US" dirty="0" smtClean="0"/>
-              <a:t>$</a:t>
-            </a:r>
-            <a:r>
-              <a:rPr lang="en-US" dirty="0" err="1" smtClean="0"/>
-              <a:t>anchorScroll</a:t>
+              <a:t>Built-in Services</a:t>
             </a:r>
             <a:endParaRPr lang="en-US" dirty="0"/>
           </a:p>
@@ -3235,7 +3878,7 @@
     </p:spTree>
     <p:extLst>
       <p:ext uri="{BB962C8B-B14F-4D97-AF65-F5344CB8AC3E}">
-        <p14:creationId xmlns:p14="http://schemas.microsoft.com/office/powerpoint/2010/main" val="125661318"/>
+        <p14:creationId xmlns:p14="http://schemas.microsoft.com/office/powerpoint/2010/main" val="3877396217"/>
       </p:ext>
     </p:extLst>
   </p:cSld>
@@ -3286,7 +3929,7 @@
             </a:r>
             <a:r>
               <a:rPr lang="en-US" dirty="0" err="1" smtClean="0"/>
-              <a:t>cacheFactory</a:t>
+              <a:t>anchorScroll</a:t>
             </a:r>
             <a:endParaRPr lang="en-US" dirty="0"/>
           </a:p>
@@ -3314,7 +3957,7 @@
     </p:spTree>
     <p:extLst>
       <p:ext uri="{BB962C8B-B14F-4D97-AF65-F5344CB8AC3E}">
-        <p14:creationId xmlns:p14="http://schemas.microsoft.com/office/powerpoint/2010/main" val="1690620251"/>
+        <p14:creationId xmlns:p14="http://schemas.microsoft.com/office/powerpoint/2010/main" val="125661318"/>
       </p:ext>
     </p:extLst>
   </p:cSld>
@@ -3361,7 +4004,11 @@
           <a:p>
             <a:r>
               <a:rPr lang="en-US" dirty="0" smtClean="0"/>
-              <a:t>$locale</a:t>
+              <a:t>$</a:t>
+            </a:r>
+            <a:r>
+              <a:rPr lang="en-US" dirty="0" err="1" smtClean="0"/>
+              <a:t>cacheFactory</a:t>
             </a:r>
             <a:endParaRPr lang="en-US" dirty="0"/>
           </a:p>
@@ -3389,7 +4036,7 @@
     </p:spTree>
     <p:extLst>
       <p:ext uri="{BB962C8B-B14F-4D97-AF65-F5344CB8AC3E}">
-        <p14:creationId xmlns:p14="http://schemas.microsoft.com/office/powerpoint/2010/main" val="211634742"/>
+        <p14:creationId xmlns:p14="http://schemas.microsoft.com/office/powerpoint/2010/main" val="1690620251"/>
       </p:ext>
     </p:extLst>
   </p:cSld>
@@ -3436,7 +4083,7 @@
           <a:p>
             <a:r>
               <a:rPr lang="en-US" dirty="0" smtClean="0"/>
-              <a:t>$timeout</a:t>
+              <a:t>$locale</a:t>
             </a:r>
             <a:endParaRPr lang="en-US" dirty="0"/>
           </a:p>
@@ -3464,7 +4111,7 @@
     </p:spTree>
     <p:extLst>
       <p:ext uri="{BB962C8B-B14F-4D97-AF65-F5344CB8AC3E}">
-        <p14:creationId xmlns:p14="http://schemas.microsoft.com/office/powerpoint/2010/main" val="474860773"/>
+        <p14:creationId xmlns:p14="http://schemas.microsoft.com/office/powerpoint/2010/main" val="211634742"/>
       </p:ext>
     </p:extLst>
   </p:cSld>
@@ -3511,7 +4158,7 @@
           <a:p>
             <a:r>
               <a:rPr lang="en-US" dirty="0" smtClean="0"/>
-              <a:t>$window and $document</a:t>
+              <a:t>Promises and $q</a:t>
             </a:r>
             <a:endParaRPr lang="en-US" dirty="0"/>
           </a:p>
@@ -3532,14 +4179,32 @@
           <a:bodyPr/>
           <a:lstStyle/>
           <a:p>
-            <a:endParaRPr lang="en-US"/>
+            <a:r>
+              <a:rPr lang="en-US" dirty="0" smtClean="0"/>
+              <a:t>$q can build a promise object</a:t>
+            </a:r>
+          </a:p>
+          <a:p>
+            <a:r>
+              <a:rPr lang="en-US" dirty="0" smtClean="0"/>
+              <a:t>Follows </a:t>
+            </a:r>
+            <a:r>
+              <a:rPr lang="en-US" dirty="0" err="1" smtClean="0"/>
+              <a:t>CommonJS</a:t>
+            </a:r>
+            <a:r>
+              <a:rPr lang="en-US" dirty="0" smtClean="0"/>
+              <a:t> promise specification</a:t>
+            </a:r>
+            <a:endParaRPr lang="en-US" dirty="0"/>
           </a:p>
         </p:txBody>
       </p:sp>
     </p:spTree>
     <p:extLst>
       <p:ext uri="{BB962C8B-B14F-4D97-AF65-F5344CB8AC3E}">
-        <p14:creationId xmlns:p14="http://schemas.microsoft.com/office/powerpoint/2010/main" val="4055633305"/>
+        <p14:creationId xmlns:p14="http://schemas.microsoft.com/office/powerpoint/2010/main" val="1595699051"/>
       </p:ext>
     </p:extLst>
   </p:cSld>
@@ -3586,11 +4251,7 @@
           <a:p>
             <a:r>
               <a:rPr lang="en-US" dirty="0" smtClean="0"/>
-              <a:t>$</a:t>
-            </a:r>
-            <a:r>
-              <a:rPr lang="en-US" dirty="0" err="1" smtClean="0"/>
-              <a:t>exceptionHandler</a:t>
+              <a:t>$timeout</a:t>
             </a:r>
             <a:endParaRPr lang="en-US" dirty="0"/>
           </a:p>
@@ -3618,7 +4279,7 @@
     </p:spTree>
     <p:extLst>
       <p:ext uri="{BB962C8B-B14F-4D97-AF65-F5344CB8AC3E}">
-        <p14:creationId xmlns:p14="http://schemas.microsoft.com/office/powerpoint/2010/main" val="3954335703"/>
+        <p14:creationId xmlns:p14="http://schemas.microsoft.com/office/powerpoint/2010/main" val="474860773"/>
       </p:ext>
     </p:extLst>
   </p:cSld>

--- a/angularjs/slides/04_Services.pptx
+++ b/angularjs/slides/04_Services.pptx
@@ -5,10 +5,10 @@
     <p:sldMasterId id="2147483772" r:id="rId1"/>
   </p:sldMasterIdLst>
   <p:notesMasterIdLst>
-    <p:notesMasterId r:id="rId25"/>
+    <p:notesMasterId r:id="rId23"/>
   </p:notesMasterIdLst>
   <p:handoutMasterIdLst>
-    <p:handoutMasterId r:id="rId26"/>
+    <p:handoutMasterId r:id="rId24"/>
   </p:handoutMasterIdLst>
   <p:sldIdLst>
     <p:sldId id="327" r:id="rId2"/>
@@ -17,23 +17,21 @@
     <p:sldId id="349" r:id="rId5"/>
     <p:sldId id="351" r:id="rId6"/>
     <p:sldId id="352" r:id="rId7"/>
-    <p:sldId id="353" r:id="rId8"/>
-    <p:sldId id="364" r:id="rId9"/>
-    <p:sldId id="354" r:id="rId10"/>
-    <p:sldId id="358" r:id="rId11"/>
-    <p:sldId id="355" r:id="rId12"/>
-    <p:sldId id="356" r:id="rId13"/>
-    <p:sldId id="357" r:id="rId14"/>
-    <p:sldId id="350" r:id="rId15"/>
-    <p:sldId id="347" r:id="rId16"/>
-    <p:sldId id="348" r:id="rId17"/>
-    <p:sldId id="360" r:id="rId18"/>
-    <p:sldId id="361" r:id="rId19"/>
-    <p:sldId id="362" r:id="rId20"/>
-    <p:sldId id="363" r:id="rId21"/>
-    <p:sldId id="365" r:id="rId22"/>
-    <p:sldId id="366" r:id="rId23"/>
-    <p:sldId id="345" r:id="rId24"/>
+    <p:sldId id="364" r:id="rId8"/>
+    <p:sldId id="354" r:id="rId9"/>
+    <p:sldId id="358" r:id="rId10"/>
+    <p:sldId id="355" r:id="rId11"/>
+    <p:sldId id="356" r:id="rId12"/>
+    <p:sldId id="357" r:id="rId13"/>
+    <p:sldId id="347" r:id="rId14"/>
+    <p:sldId id="360" r:id="rId15"/>
+    <p:sldId id="348" r:id="rId16"/>
+    <p:sldId id="362" r:id="rId17"/>
+    <p:sldId id="361" r:id="rId18"/>
+    <p:sldId id="365" r:id="rId19"/>
+    <p:sldId id="366" r:id="rId20"/>
+    <p:sldId id="350" r:id="rId21"/>
+    <p:sldId id="345" r:id="rId22"/>
   </p:sldIdLst>
   <p:sldSz cx="9144000" cy="6858000" type="screen4x3"/>
   <p:notesSz cx="7302500" cy="9588500"/>
@@ -2570,7 +2568,15 @@
           <a:p>
             <a:r>
               <a:rPr lang="en-US" dirty="0" smtClean="0"/>
-              <a:t>$window and $document</a:t>
+              <a:t>$</a:t>
+            </a:r>
+            <a:r>
+              <a:rPr lang="en-US" dirty="0" err="1" smtClean="0"/>
+              <a:t>exceptionHandler</a:t>
+            </a:r>
+            <a:r>
+              <a:rPr lang="en-US" dirty="0" smtClean="0"/>
+              <a:t> and $log</a:t>
             </a:r>
             <a:endParaRPr lang="en-US" dirty="0"/>
           </a:p>
@@ -2591,14 +2597,76 @@
           <a:bodyPr/>
           <a:lstStyle/>
           <a:p>
-            <a:endParaRPr lang="en-US"/>
+            <a:r>
+              <a:rPr lang="en-US" dirty="0" smtClean="0"/>
+              <a:t>Uncaught exceptions sent to this service</a:t>
+            </a:r>
+          </a:p>
+          <a:p>
+            <a:pPr lvl="1"/>
+            <a:r>
+              <a:rPr lang="en-US" dirty="0" smtClean="0"/>
+              <a:t>Uses $log by default</a:t>
+            </a:r>
+          </a:p>
+          <a:p>
+            <a:pPr marL="0" indent="0">
+              <a:buNone/>
+            </a:pPr>
+            <a:endParaRPr lang="en-US" dirty="0"/>
           </a:p>
         </p:txBody>
       </p:sp>
+      <p:pic>
+        <p:nvPicPr>
+          <p:cNvPr id="4" name="Picture 3"/>
+          <p:cNvPicPr>
+            <a:picLocks noChangeAspect="1"/>
+          </p:cNvPicPr>
+          <p:nvPr/>
+        </p:nvPicPr>
+        <p:blipFill>
+          <a:blip r:embed="rId2">
+            <a:extLst>
+              <a:ext uri="{BEBA8EAE-BF5A-486C-A8C5-ECC9F3942E4B}">
+                <a14:imgProps xmlns:a14="http://schemas.microsoft.com/office/drawing/2010/main">
+                  <a14:imgLayer r:embed="rId3">
+                    <a14:imgEffect>
+                      <a14:colorTemperature colorTemp="11200"/>
+                    </a14:imgEffect>
+                  </a14:imgLayer>
+                </a14:imgProps>
+              </a:ext>
+            </a:extLst>
+          </a:blip>
+          <a:stretch>
+            <a:fillRect/>
+          </a:stretch>
+        </p:blipFill>
+        <p:spPr>
+          <a:xfrm>
+            <a:off x="1447800" y="2652712"/>
+            <a:ext cx="5695950" cy="2085975"/>
+          </a:xfrm>
+          <a:prstGeom prst="rect">
+            <a:avLst/>
+          </a:prstGeom>
+          <a:ln>
+            <a:noFill/>
+          </a:ln>
+          <a:effectLst>
+            <a:outerShdw blurRad="292100" dist="139700" dir="2700000" algn="tl" rotWithShape="0">
+              <a:srgbClr val="333333">
+                <a:alpha val="65000"/>
+              </a:srgbClr>
+            </a:outerShdw>
+          </a:effectLst>
+        </p:spPr>
+      </p:pic>
     </p:spTree>
     <p:extLst>
       <p:ext uri="{BB962C8B-B14F-4D97-AF65-F5344CB8AC3E}">
-        <p14:creationId xmlns:p14="http://schemas.microsoft.com/office/powerpoint/2010/main" val="4055633305"/>
+        <p14:creationId xmlns:p14="http://schemas.microsoft.com/office/powerpoint/2010/main" val="3954335703"/>
       </p:ext>
     </p:extLst>
   </p:cSld>
@@ -2608,6 +2676,13 @@
   <p:transition>
     <p:fade/>
   </p:transition>
+  <p:timing>
+    <p:tnLst>
+      <p:par>
+        <p:cTn id="1" dur="indefinite" restart="never" nodeType="tmRoot"/>
+      </p:par>
+    </p:tnLst>
+  </p:timing>
 </p:sld>
 </file>
 
@@ -2645,11 +2720,7 @@
           <a:p>
             <a:r>
               <a:rPr lang="en-US" dirty="0" smtClean="0"/>
-              <a:t>$</a:t>
-            </a:r>
-            <a:r>
-              <a:rPr lang="en-US" dirty="0" err="1" smtClean="0"/>
-              <a:t>exceptionHandler</a:t>
+              <a:t>Overriding Services</a:t>
             </a:r>
             <a:endParaRPr lang="en-US" dirty="0"/>
           </a:p>
@@ -2670,14 +2741,64 @@
           <a:bodyPr/>
           <a:lstStyle/>
           <a:p>
-            <a:endParaRPr lang="en-US"/>
+            <a:r>
+              <a:rPr lang="en-US" dirty="0" smtClean="0"/>
+              <a:t>Last registration wins…</a:t>
+            </a:r>
+            <a:endParaRPr lang="en-US" dirty="0"/>
           </a:p>
         </p:txBody>
       </p:sp>
+      <p:pic>
+        <p:nvPicPr>
+          <p:cNvPr id="4" name="Picture 3"/>
+          <p:cNvPicPr>
+            <a:picLocks noChangeAspect="1"/>
+          </p:cNvPicPr>
+          <p:nvPr/>
+        </p:nvPicPr>
+        <p:blipFill>
+          <a:blip r:embed="rId2">
+            <a:extLst>
+              <a:ext uri="{BEBA8EAE-BF5A-486C-A8C5-ECC9F3942E4B}">
+                <a14:imgProps xmlns:a14="http://schemas.microsoft.com/office/drawing/2010/main">
+                  <a14:imgLayer r:embed="rId3">
+                    <a14:imgEffect>
+                      <a14:colorTemperature colorTemp="11200"/>
+                    </a14:imgEffect>
+                  </a14:imgLayer>
+                </a14:imgProps>
+              </a:ext>
+            </a:extLst>
+          </a:blip>
+          <a:stretch>
+            <a:fillRect/>
+          </a:stretch>
+        </p:blipFill>
+        <p:spPr>
+          <a:xfrm>
+            <a:off x="481012" y="2662237"/>
+            <a:ext cx="8181975" cy="1533525"/>
+          </a:xfrm>
+          <a:prstGeom prst="rect">
+            <a:avLst/>
+          </a:prstGeom>
+          <a:ln>
+            <a:noFill/>
+          </a:ln>
+          <a:effectLst>
+            <a:outerShdw blurRad="292100" dist="139700" dir="2700000" algn="tl" rotWithShape="0">
+              <a:srgbClr val="333333">
+                <a:alpha val="65000"/>
+              </a:srgbClr>
+            </a:outerShdw>
+          </a:effectLst>
+        </p:spPr>
+      </p:pic>
     </p:spTree>
     <p:extLst>
       <p:ext uri="{BB962C8B-B14F-4D97-AF65-F5344CB8AC3E}">
-        <p14:creationId xmlns:p14="http://schemas.microsoft.com/office/powerpoint/2010/main" val="3954335703"/>
+        <p14:creationId xmlns:p14="http://schemas.microsoft.com/office/powerpoint/2010/main" val="1165664887"/>
       </p:ext>
     </p:extLst>
   </p:cSld>
@@ -2687,6 +2808,13 @@
   <p:transition>
     <p:fade/>
   </p:transition>
+  <p:timing>
+    <p:tnLst>
+      <p:par>
+        <p:cTn id="1" dur="indefinite" restart="never" nodeType="tmRoot"/>
+      </p:par>
+    </p:tnLst>
+  </p:timing>
 </p:sld>
 </file>
 
@@ -2724,7 +2852,7 @@
           <a:p>
             <a:r>
               <a:rPr lang="en-US" dirty="0" smtClean="0"/>
-              <a:t>Overriding Services</a:t>
+              <a:t>Decorating Services</a:t>
             </a:r>
             <a:endParaRPr lang="en-US" dirty="0"/>
           </a:p>
@@ -2745,14 +2873,64 @@
           <a:bodyPr/>
           <a:lstStyle/>
           <a:p>
-            <a:endParaRPr lang="en-US"/>
+            <a:r>
+              <a:rPr lang="en-US" dirty="0" smtClean="0"/>
+              <a:t>Provide pre or post processing logic around an existing service</a:t>
+            </a:r>
+            <a:endParaRPr lang="en-US" dirty="0"/>
           </a:p>
         </p:txBody>
       </p:sp>
+      <p:pic>
+        <p:nvPicPr>
+          <p:cNvPr id="4" name="Picture 3"/>
+          <p:cNvPicPr>
+            <a:picLocks noChangeAspect="1"/>
+          </p:cNvPicPr>
+          <p:nvPr/>
+        </p:nvPicPr>
+        <p:blipFill>
+          <a:blip r:embed="rId2">
+            <a:extLst>
+              <a:ext uri="{BEBA8EAE-BF5A-486C-A8C5-ECC9F3942E4B}">
+                <a14:imgProps xmlns:a14="http://schemas.microsoft.com/office/drawing/2010/main">
+                  <a14:imgLayer r:embed="rId3">
+                    <a14:imgEffect>
+                      <a14:colorTemperature colorTemp="11200"/>
+                    </a14:imgEffect>
+                  </a14:imgLayer>
+                </a14:imgProps>
+              </a:ext>
+            </a:extLst>
+          </a:blip>
+          <a:stretch>
+            <a:fillRect/>
+          </a:stretch>
+        </p:blipFill>
+        <p:spPr>
+          <a:xfrm>
+            <a:off x="1066800" y="2724150"/>
+            <a:ext cx="6553200" cy="1943100"/>
+          </a:xfrm>
+          <a:prstGeom prst="rect">
+            <a:avLst/>
+          </a:prstGeom>
+          <a:ln>
+            <a:noFill/>
+          </a:ln>
+          <a:effectLst>
+            <a:outerShdw blurRad="292100" dist="139700" dir="2700000" algn="tl" rotWithShape="0">
+              <a:srgbClr val="333333">
+                <a:alpha val="65000"/>
+              </a:srgbClr>
+            </a:outerShdw>
+          </a:effectLst>
+        </p:spPr>
+      </p:pic>
     </p:spTree>
     <p:extLst>
       <p:ext uri="{BB962C8B-B14F-4D97-AF65-F5344CB8AC3E}">
-        <p14:creationId xmlns:p14="http://schemas.microsoft.com/office/powerpoint/2010/main" val="1165664887"/>
+        <p14:creationId xmlns:p14="http://schemas.microsoft.com/office/powerpoint/2010/main" val="999578250"/>
       </p:ext>
     </p:extLst>
   </p:cSld>
@@ -2762,6 +2940,13 @@
   <p:transition>
     <p:fade/>
   </p:transition>
+  <p:timing>
+    <p:tnLst>
+      <p:par>
+        <p:cTn id="1" dur="indefinite" restart="never" nodeType="tmRoot"/>
+      </p:par>
+    </p:tnLst>
+  </p:timing>
 </p:sld>
 </file>
 
@@ -2799,7 +2984,7 @@
           <a:p>
             <a:r>
               <a:rPr lang="en-US" dirty="0" smtClean="0"/>
-              <a:t>Decorating Services</a:t>
+              <a:t>Service Providers</a:t>
             </a:r>
             <a:endParaRPr lang="en-US" dirty="0"/>
           </a:p>
@@ -2820,14 +3005,84 @@
           <a:bodyPr/>
           <a:lstStyle/>
           <a:p>
-            <a:endParaRPr lang="en-US"/>
+            <a:r>
+              <a:rPr lang="en-US" dirty="0" smtClean="0"/>
+              <a:t>Uses $provide to register a service factory</a:t>
+            </a:r>
+          </a:p>
+          <a:p>
+            <a:r>
+              <a:rPr lang="en-US" dirty="0" smtClean="0"/>
+              <a:t>Service provider can configure a service during </a:t>
+            </a:r>
+            <a:r>
+              <a:rPr lang="en-US" dirty="0" err="1" smtClean="0"/>
+              <a:t>config</a:t>
+            </a:r>
+            <a:r>
+              <a:rPr lang="en-US" dirty="0" smtClean="0"/>
+              <a:t> phase</a:t>
+            </a:r>
+          </a:p>
+          <a:p>
+            <a:r>
+              <a:rPr lang="en-US" dirty="0" smtClean="0"/>
+              <a:t>Useful when writing services for others</a:t>
+            </a:r>
+            <a:endParaRPr lang="en-US" dirty="0"/>
           </a:p>
         </p:txBody>
       </p:sp>
+      <p:pic>
+        <p:nvPicPr>
+          <p:cNvPr id="5" name="Picture 4"/>
+          <p:cNvPicPr>
+            <a:picLocks noChangeAspect="1"/>
+          </p:cNvPicPr>
+          <p:nvPr/>
+        </p:nvPicPr>
+        <p:blipFill>
+          <a:blip r:embed="rId2">
+            <a:extLst>
+              <a:ext uri="{BEBA8EAE-BF5A-486C-A8C5-ECC9F3942E4B}">
+                <a14:imgProps xmlns:a14="http://schemas.microsoft.com/office/drawing/2010/main">
+                  <a14:imgLayer r:embed="rId3">
+                    <a14:imgEffect>
+                      <a14:colorTemperature colorTemp="11200"/>
+                    </a14:imgEffect>
+                  </a14:imgLayer>
+                </a14:imgProps>
+              </a:ext>
+            </a:extLst>
+          </a:blip>
+          <a:stretch>
+            <a:fillRect/>
+          </a:stretch>
+        </p:blipFill>
+        <p:spPr>
+          <a:xfrm>
+            <a:off x="1676400" y="2590800"/>
+            <a:ext cx="5505450" cy="4067175"/>
+          </a:xfrm>
+          <a:prstGeom prst="rect">
+            <a:avLst/>
+          </a:prstGeom>
+          <a:ln>
+            <a:noFill/>
+          </a:ln>
+          <a:effectLst>
+            <a:outerShdw blurRad="292100" dist="139700" dir="2700000" algn="tl" rotWithShape="0">
+              <a:srgbClr val="333333">
+                <a:alpha val="65000"/>
+              </a:srgbClr>
+            </a:outerShdw>
+          </a:effectLst>
+        </p:spPr>
+      </p:pic>
     </p:spTree>
     <p:extLst>
       <p:ext uri="{BB962C8B-B14F-4D97-AF65-F5344CB8AC3E}">
-        <p14:creationId xmlns:p14="http://schemas.microsoft.com/office/powerpoint/2010/main" val="999578250"/>
+        <p14:creationId xmlns:p14="http://schemas.microsoft.com/office/powerpoint/2010/main" val="769609760"/>
       </p:ext>
     </p:extLst>
   </p:cSld>
@@ -2837,6 +3092,13 @@
   <p:transition>
     <p:fade/>
   </p:transition>
+  <p:timing>
+    <p:tnLst>
+      <p:par>
+        <p:cTn id="1" dur="indefinite" restart="never" nodeType="tmRoot"/>
+      </p:par>
+    </p:tnLst>
+  </p:timing>
 </p:sld>
 </file>
 
@@ -2874,7 +3136,7 @@
           <a:p>
             <a:r>
               <a:rPr lang="en-US" dirty="0" smtClean="0"/>
-              <a:t>Resources</a:t>
+              <a:t>Creating services - constant</a:t>
             </a:r>
             <a:endParaRPr lang="en-US" dirty="0"/>
           </a:p>
@@ -2895,14 +3157,77 @@
           <a:bodyPr/>
           <a:lstStyle/>
           <a:p>
-            <a:endParaRPr lang="en-US"/>
+            <a:r>
+              <a:rPr lang="en-US" dirty="0" smtClean="0"/>
+              <a:t>Injectable primitives</a:t>
+            </a:r>
+          </a:p>
+          <a:p>
+            <a:r>
+              <a:rPr lang="en-US" dirty="0" smtClean="0"/>
+              <a:t>Can inject into </a:t>
+            </a:r>
+            <a:r>
+              <a:rPr lang="en-US" dirty="0" err="1" smtClean="0"/>
+              <a:t>config</a:t>
+            </a:r>
+            <a:r>
+              <a:rPr lang="en-US" dirty="0" smtClean="0"/>
+              <a:t> functions</a:t>
+            </a:r>
           </a:p>
         </p:txBody>
       </p:sp>
+      <p:pic>
+        <p:nvPicPr>
+          <p:cNvPr id="4" name="Picture 3"/>
+          <p:cNvPicPr>
+            <a:picLocks noChangeAspect="1"/>
+          </p:cNvPicPr>
+          <p:nvPr/>
+        </p:nvPicPr>
+        <p:blipFill>
+          <a:blip r:embed="rId2">
+            <a:extLst>
+              <a:ext uri="{BEBA8EAE-BF5A-486C-A8C5-ECC9F3942E4B}">
+                <a14:imgProps xmlns:a14="http://schemas.microsoft.com/office/drawing/2010/main">
+                  <a14:imgLayer r:embed="rId3">
+                    <a14:imgEffect>
+                      <a14:colorTemperature colorTemp="11200"/>
+                    </a14:imgEffect>
+                  </a14:imgLayer>
+                </a14:imgProps>
+              </a:ext>
+            </a:extLst>
+          </a:blip>
+          <a:stretch>
+            <a:fillRect/>
+          </a:stretch>
+        </p:blipFill>
+        <p:spPr>
+          <a:xfrm>
+            <a:off x="2133600" y="2971800"/>
+            <a:ext cx="4552950" cy="1000125"/>
+          </a:xfrm>
+          <a:prstGeom prst="rect">
+            <a:avLst/>
+          </a:prstGeom>
+          <a:ln>
+            <a:noFill/>
+          </a:ln>
+          <a:effectLst>
+            <a:outerShdw blurRad="292100" dist="139700" dir="2700000" algn="tl" rotWithShape="0">
+              <a:srgbClr val="333333">
+                <a:alpha val="65000"/>
+              </a:srgbClr>
+            </a:outerShdw>
+          </a:effectLst>
+        </p:spPr>
+      </p:pic>
     </p:spTree>
     <p:extLst>
       <p:ext uri="{BB962C8B-B14F-4D97-AF65-F5344CB8AC3E}">
-        <p14:creationId xmlns:p14="http://schemas.microsoft.com/office/powerpoint/2010/main" val="847724839"/>
+        <p14:creationId xmlns:p14="http://schemas.microsoft.com/office/powerpoint/2010/main" val="297298471"/>
       </p:ext>
     </p:extLst>
   </p:cSld>
@@ -2912,6 +3237,13 @@
   <p:transition>
     <p:fade/>
   </p:transition>
+  <p:timing>
+    <p:tnLst>
+      <p:par>
+        <p:cTn id="1" dur="indefinite" restart="never" nodeType="tmRoot"/>
+      </p:par>
+    </p:tnLst>
+  </p:timing>
 </p:sld>
 </file>
 
@@ -2949,7 +3281,15 @@
           <a:p>
             <a:r>
               <a:rPr lang="en-US" dirty="0" smtClean="0"/>
-              <a:t>Service Providers</a:t>
+              <a:t>Creating Services - </a:t>
+            </a:r>
+            <a:r>
+              <a:rPr lang="en-US" dirty="0"/>
+              <a:t>v</a:t>
+            </a:r>
+            <a:r>
+              <a:rPr lang="en-US" dirty="0" smtClean="0"/>
+              <a:t>alue</a:t>
             </a:r>
             <a:endParaRPr lang="en-US" dirty="0"/>
           </a:p>
@@ -2970,14 +3310,84 @@
           <a:bodyPr/>
           <a:lstStyle/>
           <a:p>
-            <a:endParaRPr lang="en-US"/>
+            <a:r>
+              <a:rPr lang="en-US" dirty="0"/>
+              <a:t>Injectable primitives</a:t>
+            </a:r>
+          </a:p>
+          <a:p>
+            <a:r>
+              <a:rPr lang="en-US" dirty="0" smtClean="0"/>
+              <a:t>Cannot </a:t>
+            </a:r>
+            <a:r>
+              <a:rPr lang="en-US" dirty="0"/>
+              <a:t>inject into </a:t>
+            </a:r>
+            <a:r>
+              <a:rPr lang="en-US" dirty="0" err="1"/>
+              <a:t>config</a:t>
+            </a:r>
+            <a:r>
+              <a:rPr lang="en-US" dirty="0"/>
+              <a:t> functions</a:t>
+            </a:r>
+          </a:p>
+          <a:p>
+            <a:endParaRPr lang="en-US" dirty="0"/>
           </a:p>
         </p:txBody>
       </p:sp>
+      <p:pic>
+        <p:nvPicPr>
+          <p:cNvPr id="4" name="Picture 3"/>
+          <p:cNvPicPr>
+            <a:picLocks noChangeAspect="1"/>
+          </p:cNvPicPr>
+          <p:nvPr/>
+        </p:nvPicPr>
+        <p:blipFill>
+          <a:blip r:embed="rId2">
+            <a:extLst>
+              <a:ext uri="{BEBA8EAE-BF5A-486C-A8C5-ECC9F3942E4B}">
+                <a14:imgProps xmlns:a14="http://schemas.microsoft.com/office/drawing/2010/main">
+                  <a14:imgLayer r:embed="rId3">
+                    <a14:imgEffect>
+                      <a14:colorTemperature colorTemp="11200"/>
+                    </a14:imgEffect>
+                  </a14:imgLayer>
+                </a14:imgProps>
+              </a:ext>
+            </a:extLst>
+          </a:blip>
+          <a:stretch>
+            <a:fillRect/>
+          </a:stretch>
+        </p:blipFill>
+        <p:spPr>
+          <a:xfrm>
+            <a:off x="1981200" y="3200400"/>
+            <a:ext cx="4591050" cy="552450"/>
+          </a:xfrm>
+          <a:prstGeom prst="rect">
+            <a:avLst/>
+          </a:prstGeom>
+          <a:ln>
+            <a:noFill/>
+          </a:ln>
+          <a:effectLst>
+            <a:outerShdw blurRad="292100" dist="139700" dir="2700000" algn="tl" rotWithShape="0">
+              <a:srgbClr val="333333">
+                <a:alpha val="65000"/>
+              </a:srgbClr>
+            </a:outerShdw>
+          </a:effectLst>
+        </p:spPr>
+      </p:pic>
     </p:spTree>
     <p:extLst>
       <p:ext uri="{BB962C8B-B14F-4D97-AF65-F5344CB8AC3E}">
-        <p14:creationId xmlns:p14="http://schemas.microsoft.com/office/powerpoint/2010/main" val="769609760"/>
+        <p14:creationId xmlns:p14="http://schemas.microsoft.com/office/powerpoint/2010/main" val="2004136757"/>
       </p:ext>
     </p:extLst>
   </p:cSld>
@@ -2987,6 +3397,13 @@
   <p:transition>
     <p:fade/>
   </p:transition>
+  <p:timing>
+    <p:tnLst>
+      <p:par>
+        <p:cTn id="1" dur="indefinite" restart="never" nodeType="tmRoot"/>
+      </p:par>
+    </p:tnLst>
+  </p:timing>
 </p:sld>
 </file>
 
@@ -3024,7 +3441,7 @@
           <a:p>
             <a:r>
               <a:rPr lang="en-US" dirty="0" smtClean="0"/>
-              <a:t>Creating Services - Value</a:t>
+              <a:t>Creating services- factory</a:t>
             </a:r>
             <a:endParaRPr lang="en-US" dirty="0"/>
           </a:p>
@@ -3045,14 +3462,70 @@
           <a:bodyPr/>
           <a:lstStyle/>
           <a:p>
-            <a:endParaRPr lang="en-US"/>
+            <a:r>
+              <a:rPr lang="en-US" dirty="0" smtClean="0"/>
+              <a:t>Shortcut method to create a service and provider</a:t>
+            </a:r>
+          </a:p>
+          <a:p>
+            <a:r>
+              <a:rPr lang="en-US" dirty="0" smtClean="0"/>
+              <a:t>Returns service object</a:t>
+            </a:r>
+            <a:endParaRPr lang="en-US" dirty="0"/>
           </a:p>
         </p:txBody>
       </p:sp>
+      <p:pic>
+        <p:nvPicPr>
+          <p:cNvPr id="4" name="Picture 3"/>
+          <p:cNvPicPr>
+            <a:picLocks noChangeAspect="1"/>
+          </p:cNvPicPr>
+          <p:nvPr/>
+        </p:nvPicPr>
+        <p:blipFill>
+          <a:blip r:embed="rId2">
+            <a:extLst>
+              <a:ext uri="{BEBA8EAE-BF5A-486C-A8C5-ECC9F3942E4B}">
+                <a14:imgProps xmlns:a14="http://schemas.microsoft.com/office/drawing/2010/main">
+                  <a14:imgLayer r:embed="rId3">
+                    <a14:imgEffect>
+                      <a14:colorTemperature colorTemp="11200"/>
+                    </a14:imgEffect>
+                  </a14:imgLayer>
+                </a14:imgProps>
+              </a:ext>
+            </a:extLst>
+          </a:blip>
+          <a:stretch>
+            <a:fillRect/>
+          </a:stretch>
+        </p:blipFill>
+        <p:spPr>
+          <a:xfrm>
+            <a:off x="1371600" y="2190750"/>
+            <a:ext cx="6048375" cy="4514850"/>
+          </a:xfrm>
+          <a:prstGeom prst="rect">
+            <a:avLst/>
+          </a:prstGeom>
+          <a:ln>
+            <a:noFill/>
+          </a:ln>
+          <a:effectLst>
+            <a:outerShdw blurRad="292100" dist="139700" dir="2700000" algn="tl" rotWithShape="0">
+              <a:srgbClr val="333333">
+                <a:alpha val="65000"/>
+              </a:srgbClr>
+            </a:outerShdw>
+          </a:effectLst>
+        </p:spPr>
+      </p:pic>
     </p:spTree>
     <p:extLst>
       <p:ext uri="{BB962C8B-B14F-4D97-AF65-F5344CB8AC3E}">
-        <p14:creationId xmlns:p14="http://schemas.microsoft.com/office/powerpoint/2010/main" val="2004136757"/>
+        <p14:creationId xmlns:p14="http://schemas.microsoft.com/office/powerpoint/2010/main" val="1569075231"/>
       </p:ext>
     </p:extLst>
   </p:cSld>
@@ -3062,6 +3535,13 @@
   <p:transition>
     <p:fade/>
   </p:transition>
+  <p:timing>
+    <p:tnLst>
+      <p:par>
+        <p:cTn id="1" dur="indefinite" restart="never" nodeType="tmRoot"/>
+      </p:par>
+    </p:tnLst>
+  </p:timing>
 </p:sld>
 </file>
 
@@ -3099,7 +3579,7 @@
           <a:p>
             <a:r>
               <a:rPr lang="en-US" dirty="0" smtClean="0"/>
-              <a:t>Creating services - constant</a:t>
+              <a:t>Creating services - service</a:t>
             </a:r>
             <a:endParaRPr lang="en-US" dirty="0"/>
           </a:p>
@@ -3120,14 +3600,77 @@
           <a:bodyPr/>
           <a:lstStyle/>
           <a:p>
-            <a:endParaRPr lang="en-US"/>
+            <a:r>
+              <a:rPr lang="en-US" dirty="0"/>
+              <a:t>Shortcut method to create a service and provider</a:t>
+            </a:r>
+          </a:p>
+          <a:p>
+            <a:r>
+              <a:rPr lang="en-US" dirty="0"/>
+              <a:t>Returns service </a:t>
+            </a:r>
+            <a:r>
+              <a:rPr lang="en-US" dirty="0" smtClean="0"/>
+              <a:t>constructor</a:t>
+            </a:r>
+            <a:endParaRPr lang="en-US" dirty="0"/>
+          </a:p>
+          <a:p>
+            <a:endParaRPr lang="en-US" dirty="0"/>
           </a:p>
         </p:txBody>
       </p:sp>
+      <p:pic>
+        <p:nvPicPr>
+          <p:cNvPr id="4" name="Picture 3"/>
+          <p:cNvPicPr>
+            <a:picLocks noChangeAspect="1"/>
+          </p:cNvPicPr>
+          <p:nvPr/>
+        </p:nvPicPr>
+        <p:blipFill>
+          <a:blip r:embed="rId2">
+            <a:extLst>
+              <a:ext uri="{BEBA8EAE-BF5A-486C-A8C5-ECC9F3942E4B}">
+                <a14:imgProps xmlns:a14="http://schemas.microsoft.com/office/drawing/2010/main">
+                  <a14:imgLayer r:embed="rId3">
+                    <a14:imgEffect>
+                      <a14:colorTemperature colorTemp="11200"/>
+                    </a14:imgEffect>
+                  </a14:imgLayer>
+                </a14:imgProps>
+              </a:ext>
+            </a:extLst>
+          </a:blip>
+          <a:stretch>
+            <a:fillRect/>
+          </a:stretch>
+        </p:blipFill>
+        <p:spPr>
+          <a:xfrm>
+            <a:off x="1652587" y="2590800"/>
+            <a:ext cx="5838825" cy="2971800"/>
+          </a:xfrm>
+          <a:prstGeom prst="rect">
+            <a:avLst/>
+          </a:prstGeom>
+          <a:ln>
+            <a:noFill/>
+          </a:ln>
+          <a:effectLst>
+            <a:outerShdw blurRad="292100" dist="139700" dir="2700000" algn="tl" rotWithShape="0">
+              <a:srgbClr val="333333">
+                <a:alpha val="65000"/>
+              </a:srgbClr>
+            </a:outerShdw>
+          </a:effectLst>
+        </p:spPr>
+      </p:pic>
     </p:spTree>
     <p:extLst>
       <p:ext uri="{BB962C8B-B14F-4D97-AF65-F5344CB8AC3E}">
-        <p14:creationId xmlns:p14="http://schemas.microsoft.com/office/powerpoint/2010/main" val="297298471"/>
+        <p14:creationId xmlns:p14="http://schemas.microsoft.com/office/powerpoint/2010/main" val="1263298703"/>
       </p:ext>
     </p:extLst>
   </p:cSld>
@@ -3137,6 +3680,13 @@
   <p:transition>
     <p:fade/>
   </p:transition>
+  <p:timing>
+    <p:tnLst>
+      <p:par>
+        <p:cTn id="1" dur="indefinite" restart="never" nodeType="tmRoot"/>
+      </p:par>
+    </p:tnLst>
+  </p:timing>
 </p:sld>
 </file>
 
@@ -3174,7 +3724,7 @@
           <a:p>
             <a:r>
               <a:rPr lang="en-US" dirty="0" smtClean="0"/>
-              <a:t>Creating services - service</a:t>
+              <a:t>HTTP Interceptors</a:t>
             </a:r>
             <a:endParaRPr lang="en-US" dirty="0"/>
           </a:p>
@@ -3195,14 +3745,78 @@
           <a:bodyPr/>
           <a:lstStyle/>
           <a:p>
-            <a:endParaRPr lang="en-US"/>
+            <a:r>
+              <a:rPr lang="en-US" dirty="0" smtClean="0"/>
+              <a:t>Request interceptors can modify the request </a:t>
+            </a:r>
+            <a:r>
+              <a:rPr lang="en-US" dirty="0" err="1" smtClean="0"/>
+              <a:t>config</a:t>
+            </a:r>
+            <a:r>
+              <a:rPr lang="en-US" dirty="0" smtClean="0"/>
+              <a:t> object</a:t>
+            </a:r>
+          </a:p>
+          <a:p>
+            <a:r>
+              <a:rPr lang="en-US" dirty="0" smtClean="0"/>
+              <a:t>Response interceptors can change or modify behavior</a:t>
+            </a:r>
+            <a:endParaRPr lang="en-US" dirty="0"/>
           </a:p>
         </p:txBody>
       </p:sp>
+      <p:pic>
+        <p:nvPicPr>
+          <p:cNvPr id="5" name="Picture 4"/>
+          <p:cNvPicPr>
+            <a:picLocks noChangeAspect="1"/>
+          </p:cNvPicPr>
+          <p:nvPr/>
+        </p:nvPicPr>
+        <p:blipFill>
+          <a:blip r:embed="rId2">
+            <a:extLst>
+              <a:ext uri="{BEBA8EAE-BF5A-486C-A8C5-ECC9F3942E4B}">
+                <a14:imgProps xmlns:a14="http://schemas.microsoft.com/office/drawing/2010/main">
+                  <a14:imgLayer r:embed="rId3">
+                    <a14:imgEffect>
+                      <a14:colorTemperature colorTemp="11200"/>
+                    </a14:imgEffect>
+                  </a14:imgLayer>
+                </a14:imgProps>
+              </a:ext>
+            </a:extLst>
+          </a:blip>
+          <a:stretch>
+            <a:fillRect/>
+          </a:stretch>
+        </p:blipFill>
+        <p:spPr>
+          <a:xfrm>
+            <a:off x="1300162" y="2485896"/>
+            <a:ext cx="6543675" cy="3801833"/>
+          </a:xfrm>
+          <a:prstGeom prst="rect">
+            <a:avLst/>
+          </a:prstGeom>
+          <a:ln>
+            <a:noFill/>
+          </a:ln>
+          <a:effectLst>
+            <a:outerShdw blurRad="292100" dist="139700" dir="2700000" algn="tl" rotWithShape="0">
+              <a:srgbClr val="333333">
+                <a:alpha val="65000"/>
+              </a:srgbClr>
+            </a:outerShdw>
+          </a:effectLst>
+        </p:spPr>
+      </p:pic>
     </p:spTree>
     <p:extLst>
       <p:ext uri="{BB962C8B-B14F-4D97-AF65-F5344CB8AC3E}">
-        <p14:creationId xmlns:p14="http://schemas.microsoft.com/office/powerpoint/2010/main" val="1263298703"/>
+        <p14:creationId xmlns:p14="http://schemas.microsoft.com/office/powerpoint/2010/main" val="518663016"/>
       </p:ext>
     </p:extLst>
   </p:cSld>
@@ -3212,6 +3826,13 @@
   <p:transition>
     <p:fade/>
   </p:transition>
+  <p:timing>
+    <p:tnLst>
+      <p:par>
+        <p:cTn id="1" dur="indefinite" restart="never" nodeType="tmRoot"/>
+      </p:par>
+    </p:tnLst>
+  </p:timing>
 </p:sld>
 </file>
 
@@ -3249,7 +3870,7 @@
           <a:p>
             <a:r>
               <a:rPr lang="en-US" dirty="0" smtClean="0"/>
-              <a:t>Creating services- factory</a:t>
+              <a:t>HTTP Transforms</a:t>
             </a:r>
             <a:endParaRPr lang="en-US" dirty="0"/>
           </a:p>
@@ -3270,14 +3891,64 @@
           <a:bodyPr/>
           <a:lstStyle/>
           <a:p>
-            <a:endParaRPr lang="en-US"/>
+            <a:r>
+              <a:rPr lang="en-US" dirty="0" smtClean="0"/>
+              <a:t>Request and response transforms</a:t>
+            </a:r>
+            <a:endParaRPr lang="en-US" dirty="0"/>
           </a:p>
         </p:txBody>
       </p:sp>
+      <p:pic>
+        <p:nvPicPr>
+          <p:cNvPr id="4" name="Picture 3"/>
+          <p:cNvPicPr>
+            <a:picLocks noChangeAspect="1"/>
+          </p:cNvPicPr>
+          <p:nvPr/>
+        </p:nvPicPr>
+        <p:blipFill>
+          <a:blip r:embed="rId2">
+            <a:extLst>
+              <a:ext uri="{BEBA8EAE-BF5A-486C-A8C5-ECC9F3942E4B}">
+                <a14:imgProps xmlns:a14="http://schemas.microsoft.com/office/drawing/2010/main">
+                  <a14:imgLayer r:embed="rId3">
+                    <a14:imgEffect>
+                      <a14:colorTemperature colorTemp="11200"/>
+                    </a14:imgEffect>
+                  </a14:imgLayer>
+                </a14:imgProps>
+              </a:ext>
+            </a:extLst>
+          </a:blip>
+          <a:stretch>
+            <a:fillRect/>
+          </a:stretch>
+        </p:blipFill>
+        <p:spPr>
+          <a:xfrm>
+            <a:off x="1447800" y="2181225"/>
+            <a:ext cx="6048375" cy="3762375"/>
+          </a:xfrm>
+          <a:prstGeom prst="rect">
+            <a:avLst/>
+          </a:prstGeom>
+          <a:ln>
+            <a:noFill/>
+          </a:ln>
+          <a:effectLst>
+            <a:outerShdw blurRad="292100" dist="139700" dir="2700000" algn="tl" rotWithShape="0">
+              <a:srgbClr val="333333">
+                <a:alpha val="65000"/>
+              </a:srgbClr>
+            </a:outerShdw>
+          </a:effectLst>
+        </p:spPr>
+      </p:pic>
     </p:spTree>
     <p:extLst>
       <p:ext uri="{BB962C8B-B14F-4D97-AF65-F5344CB8AC3E}">
-        <p14:creationId xmlns:p14="http://schemas.microsoft.com/office/powerpoint/2010/main" val="1569075231"/>
+        <p14:creationId xmlns:p14="http://schemas.microsoft.com/office/powerpoint/2010/main" val="20407956"/>
       </p:ext>
     </p:extLst>
   </p:cSld>
@@ -3287,6 +3958,13 @@
   <p:transition>
     <p:fade/>
   </p:transition>
+  <p:timing>
+    <p:tnLst>
+      <p:par>
+        <p:cTn id="1" dur="indefinite" restart="never" nodeType="tmRoot"/>
+      </p:par>
+    </p:tnLst>
+  </p:timing>
 </p:sld>
 </file>
 
@@ -3345,7 +4023,335 @@
           <a:bodyPr/>
           <a:lstStyle/>
           <a:p>
-            <a:endParaRPr lang="en-US"/>
+            <a:r>
+              <a:rPr lang="en-US" dirty="0" smtClean="0"/>
+              <a:t>Carry out a specific task</a:t>
+            </a:r>
+          </a:p>
+          <a:p>
+            <a:pPr lvl="1"/>
+            <a:r>
+              <a:rPr lang="en-US" dirty="0" smtClean="0"/>
+              <a:t>Server communication</a:t>
+            </a:r>
+          </a:p>
+          <a:p>
+            <a:pPr lvl="1"/>
+            <a:r>
+              <a:rPr lang="en-US" dirty="0" smtClean="0"/>
+              <a:t>Environment interaction</a:t>
+            </a:r>
+          </a:p>
+          <a:p>
+            <a:pPr lvl="1"/>
+            <a:r>
+              <a:rPr lang="en-US" dirty="0" smtClean="0"/>
+              <a:t>Algorithms and logic</a:t>
+            </a:r>
+          </a:p>
+          <a:p>
+            <a:r>
+              <a:rPr lang="en-US" dirty="0" smtClean="0"/>
+              <a:t>Managed by injector</a:t>
+            </a:r>
+          </a:p>
+          <a:p>
+            <a:pPr lvl="1"/>
+            <a:r>
+              <a:rPr lang="en-US" dirty="0" smtClean="0"/>
+              <a:t>Substitutable</a:t>
+            </a:r>
+            <a:endParaRPr lang="en-US" dirty="0"/>
+          </a:p>
+        </p:txBody>
+      </p:sp>
+      <p:sp>
+        <p:nvSpPr>
+          <p:cNvPr id="4" name="Rectangle 3"/>
+          <p:cNvSpPr/>
+          <p:nvPr/>
+        </p:nvSpPr>
+        <p:spPr bwMode="auto">
+          <a:xfrm>
+            <a:off x="6096000" y="2286000"/>
+            <a:ext cx="2209800" cy="762000"/>
+          </a:xfrm>
+          <a:prstGeom prst="rect">
+            <a:avLst/>
+          </a:prstGeom>
+          <a:gradFill rotWithShape="1">
+            <a:gsLst>
+              <a:gs pos="0">
+                <a:srgbClr val="A4D289"/>
+              </a:gs>
+              <a:gs pos="100000">
+                <a:schemeClr val="bg1"/>
+              </a:gs>
+            </a:gsLst>
+            <a:lin ang="5400000" scaled="1"/>
+          </a:gradFill>
+          <a:ln w="9525" algn="ctr">
+            <a:solidFill>
+              <a:schemeClr val="tx1"/>
+            </a:solidFill>
+            <a:miter lim="800000"/>
+            <a:headEnd/>
+            <a:tailEnd/>
+          </a:ln>
+          <a:effectLst>
+            <a:outerShdw blurRad="50800" dist="38100" dir="2700000" algn="tl" rotWithShape="0">
+              <a:prstClr val="black">
+                <a:alpha val="40000"/>
+              </a:prstClr>
+            </a:outerShdw>
+          </a:effectLst>
+        </p:spPr>
+        <p:txBody>
+          <a:bodyPr wrap="none" rtlCol="0" anchor="ctr"/>
+          <a:lstStyle/>
+          <a:p>
+            <a:pPr algn="ctr"/>
+            <a:r>
+              <a:rPr lang="en-US" sz="2000" dirty="0" smtClean="0">
+                <a:latin typeface="Tekton Pro" pitchFamily="34" charset="0"/>
+              </a:rPr>
+              <a:t>Controller</a:t>
+            </a:r>
+            <a:endParaRPr lang="en-US" sz="2000" dirty="0">
+              <a:latin typeface="Tekton Pro" pitchFamily="34" charset="0"/>
+            </a:endParaRPr>
+          </a:p>
+        </p:txBody>
+      </p:sp>
+      <p:sp>
+        <p:nvSpPr>
+          <p:cNvPr id="5" name="Rectangle 4"/>
+          <p:cNvSpPr/>
+          <p:nvPr/>
+        </p:nvSpPr>
+        <p:spPr bwMode="auto">
+          <a:xfrm>
+            <a:off x="6108879" y="3200400"/>
+            <a:ext cx="2209800" cy="762000"/>
+          </a:xfrm>
+          <a:prstGeom prst="rect">
+            <a:avLst/>
+          </a:prstGeom>
+          <a:gradFill rotWithShape="1">
+            <a:gsLst>
+              <a:gs pos="0">
+                <a:srgbClr val="A4D289"/>
+              </a:gs>
+              <a:gs pos="100000">
+                <a:schemeClr val="bg1"/>
+              </a:gs>
+            </a:gsLst>
+            <a:lin ang="5400000" scaled="1"/>
+          </a:gradFill>
+          <a:ln w="9525" algn="ctr">
+            <a:solidFill>
+              <a:schemeClr val="tx1"/>
+            </a:solidFill>
+            <a:miter lim="800000"/>
+            <a:headEnd/>
+            <a:tailEnd/>
+          </a:ln>
+          <a:effectLst>
+            <a:outerShdw blurRad="50800" dist="38100" dir="2700000" algn="tl" rotWithShape="0">
+              <a:prstClr val="black">
+                <a:alpha val="40000"/>
+              </a:prstClr>
+            </a:outerShdw>
+          </a:effectLst>
+        </p:spPr>
+        <p:txBody>
+          <a:bodyPr wrap="none" rtlCol="0" anchor="ctr"/>
+          <a:lstStyle/>
+          <a:p>
+            <a:pPr algn="ctr"/>
+            <a:r>
+              <a:rPr lang="en-US" sz="2000" dirty="0" smtClean="0">
+                <a:latin typeface="Tekton Pro" pitchFamily="34" charset="0"/>
+              </a:rPr>
+              <a:t>Directive</a:t>
+            </a:r>
+            <a:endParaRPr lang="en-US" sz="2000" dirty="0">
+              <a:latin typeface="Tekton Pro" pitchFamily="34" charset="0"/>
+            </a:endParaRPr>
+          </a:p>
+        </p:txBody>
+      </p:sp>
+      <p:sp>
+        <p:nvSpPr>
+          <p:cNvPr id="6" name="Rectangle 5"/>
+          <p:cNvSpPr/>
+          <p:nvPr/>
+        </p:nvSpPr>
+        <p:spPr bwMode="auto">
+          <a:xfrm>
+            <a:off x="6144296" y="4114800"/>
+            <a:ext cx="2209800" cy="762000"/>
+          </a:xfrm>
+          <a:prstGeom prst="rect">
+            <a:avLst/>
+          </a:prstGeom>
+          <a:gradFill rotWithShape="1">
+            <a:gsLst>
+              <a:gs pos="0">
+                <a:srgbClr val="A4D289"/>
+              </a:gs>
+              <a:gs pos="100000">
+                <a:schemeClr val="bg1"/>
+              </a:gs>
+            </a:gsLst>
+            <a:lin ang="5400000" scaled="1"/>
+          </a:gradFill>
+          <a:ln w="9525" algn="ctr">
+            <a:solidFill>
+              <a:schemeClr val="tx1"/>
+            </a:solidFill>
+            <a:miter lim="800000"/>
+            <a:headEnd/>
+            <a:tailEnd/>
+          </a:ln>
+          <a:effectLst>
+            <a:outerShdw blurRad="50800" dist="38100" dir="2700000" algn="tl" rotWithShape="0">
+              <a:prstClr val="black">
+                <a:alpha val="40000"/>
+              </a:prstClr>
+            </a:outerShdw>
+          </a:effectLst>
+        </p:spPr>
+        <p:txBody>
+          <a:bodyPr wrap="none" rtlCol="0" anchor="ctr"/>
+          <a:lstStyle/>
+          <a:p>
+            <a:pPr algn="ctr"/>
+            <a:r>
+              <a:rPr lang="en-US" sz="2000" dirty="0" smtClean="0">
+                <a:latin typeface="Tekton Pro" pitchFamily="34" charset="0"/>
+              </a:rPr>
+              <a:t>Module</a:t>
+            </a:r>
+            <a:endParaRPr lang="en-US" sz="2000" dirty="0">
+              <a:latin typeface="Tekton Pro" pitchFamily="34" charset="0"/>
+            </a:endParaRPr>
+          </a:p>
+        </p:txBody>
+      </p:sp>
+      <p:sp>
+        <p:nvSpPr>
+          <p:cNvPr id="7" name="Rectangle 6"/>
+          <p:cNvSpPr/>
+          <p:nvPr/>
+        </p:nvSpPr>
+        <p:spPr bwMode="auto">
+          <a:xfrm>
+            <a:off x="6144296" y="5029200"/>
+            <a:ext cx="2209800" cy="762000"/>
+          </a:xfrm>
+          <a:prstGeom prst="rect">
+            <a:avLst/>
+          </a:prstGeom>
+          <a:gradFill rotWithShape="1">
+            <a:gsLst>
+              <a:gs pos="0">
+                <a:srgbClr val="A4D289"/>
+              </a:gs>
+              <a:gs pos="100000">
+                <a:schemeClr val="bg1"/>
+              </a:gs>
+            </a:gsLst>
+            <a:lin ang="5400000" scaled="1"/>
+          </a:gradFill>
+          <a:ln w="9525" algn="ctr">
+            <a:solidFill>
+              <a:schemeClr val="tx1"/>
+            </a:solidFill>
+            <a:miter lim="800000"/>
+            <a:headEnd/>
+            <a:tailEnd/>
+          </a:ln>
+          <a:effectLst>
+            <a:outerShdw blurRad="50800" dist="38100" dir="2700000" algn="tl" rotWithShape="0">
+              <a:prstClr val="black">
+                <a:alpha val="40000"/>
+              </a:prstClr>
+            </a:outerShdw>
+          </a:effectLst>
+        </p:spPr>
+        <p:txBody>
+          <a:bodyPr wrap="none" rtlCol="0" anchor="ctr"/>
+          <a:lstStyle/>
+          <a:p>
+            <a:pPr algn="ctr"/>
+            <a:r>
+              <a:rPr lang="en-US" sz="2000" dirty="0" smtClean="0">
+                <a:latin typeface="Tekton Pro" pitchFamily="34" charset="0"/>
+              </a:rPr>
+              <a:t>Filter</a:t>
+            </a:r>
+            <a:endParaRPr lang="en-US" sz="2000" dirty="0">
+              <a:latin typeface="Tekton Pro" pitchFamily="34" charset="0"/>
+            </a:endParaRPr>
+          </a:p>
+        </p:txBody>
+      </p:sp>
+      <p:sp>
+        <p:nvSpPr>
+          <p:cNvPr id="8" name="Rectangle 7"/>
+          <p:cNvSpPr/>
+          <p:nvPr/>
+        </p:nvSpPr>
+        <p:spPr bwMode="auto">
+          <a:xfrm>
+            <a:off x="6096000" y="1333500"/>
+            <a:ext cx="2209800" cy="762000"/>
+          </a:xfrm>
+          <a:prstGeom prst="rect">
+            <a:avLst/>
+          </a:prstGeom>
+          <a:gradFill rotWithShape="1">
+            <a:gsLst>
+              <a:gs pos="0">
+                <a:srgbClr val="A4D289"/>
+              </a:gs>
+              <a:gs pos="100000">
+                <a:schemeClr val="bg1"/>
+              </a:gs>
+            </a:gsLst>
+            <a:lin ang="5400000" scaled="1"/>
+          </a:gradFill>
+          <a:ln w="9525" algn="ctr">
+            <a:solidFill>
+              <a:schemeClr val="tx1"/>
+            </a:solidFill>
+            <a:miter lim="800000"/>
+            <a:headEnd/>
+            <a:tailEnd/>
+          </a:ln>
+          <a:effectLst>
+            <a:outerShdw blurRad="50800" dist="38100" dir="2700000" algn="tl" rotWithShape="0">
+              <a:prstClr val="black">
+                <a:alpha val="40000"/>
+              </a:prstClr>
+            </a:outerShdw>
+          </a:effectLst>
+        </p:spPr>
+        <p:txBody>
+          <a:bodyPr wrap="none" rtlCol="0" anchor="ctr"/>
+          <a:lstStyle/>
+          <a:p>
+            <a:pPr algn="ctr"/>
+            <a:r>
+              <a:rPr lang="en-US" sz="2000" dirty="0" smtClean="0">
+                <a:latin typeface="Tekton Pro" pitchFamily="34" charset="0"/>
+              </a:rPr>
+              <a:t>Service</a:t>
+            </a:r>
+            <a:endParaRPr lang="en-US" sz="2000" dirty="0">
+              <a:latin typeface="Tekton Pro" pitchFamily="34" charset="0"/>
+            </a:endParaRPr>
           </a:p>
         </p:txBody>
       </p:sp>
@@ -3362,6 +4368,13 @@
   <p:transition>
     <p:fade/>
   </p:transition>
+  <p:timing>
+    <p:tnLst>
+      <p:par>
+        <p:cTn id="1" dur="indefinite" restart="never" nodeType="tmRoot"/>
+      </p:par>
+    </p:tnLst>
+  </p:timing>
 </p:sld>
 </file>
 
@@ -3399,11 +4412,7 @@
           <a:p>
             <a:r>
               <a:rPr lang="en-US" dirty="0" smtClean="0"/>
-              <a:t>Creating services </a:t>
-            </a:r>
-            <a:r>
-              <a:rPr lang="en-US" smtClean="0"/>
-              <a:t>- providers</a:t>
+              <a:t>Resources</a:t>
             </a:r>
             <a:endParaRPr lang="en-US" dirty="0"/>
           </a:p>
@@ -3424,14 +4433,74 @@
           <a:bodyPr/>
           <a:lstStyle/>
           <a:p>
-            <a:endParaRPr lang="en-US"/>
+            <a:r>
+              <a:rPr lang="en-US" dirty="0" err="1" smtClean="0"/>
+              <a:t>ngResource</a:t>
+            </a:r>
+            <a:r>
+              <a:rPr lang="en-US" dirty="0" smtClean="0"/>
+              <a:t> module</a:t>
+            </a:r>
+          </a:p>
+          <a:p>
+            <a:r>
+              <a:rPr lang="en-US" dirty="0" smtClean="0"/>
+              <a:t>Uses GET, PUT, POST, DELETE to interact with a service</a:t>
+            </a:r>
+            <a:endParaRPr lang="en-US" dirty="0"/>
           </a:p>
         </p:txBody>
       </p:sp>
+      <p:pic>
+        <p:nvPicPr>
+          <p:cNvPr id="4" name="Picture 3"/>
+          <p:cNvPicPr>
+            <a:picLocks noChangeAspect="1"/>
+          </p:cNvPicPr>
+          <p:nvPr/>
+        </p:nvPicPr>
+        <p:blipFill>
+          <a:blip r:embed="rId2">
+            <a:extLst>
+              <a:ext uri="{BEBA8EAE-BF5A-486C-A8C5-ECC9F3942E4B}">
+                <a14:imgProps xmlns:a14="http://schemas.microsoft.com/office/drawing/2010/main">
+                  <a14:imgLayer r:embed="rId3">
+                    <a14:imgEffect>
+                      <a14:colorTemperature colorTemp="11200"/>
+                    </a14:imgEffect>
+                  </a14:imgLayer>
+                </a14:imgProps>
+              </a:ext>
+            </a:extLst>
+          </a:blip>
+          <a:stretch>
+            <a:fillRect/>
+          </a:stretch>
+        </p:blipFill>
+        <p:spPr>
+          <a:xfrm>
+            <a:off x="1295400" y="3048000"/>
+            <a:ext cx="6324600" cy="1114425"/>
+          </a:xfrm>
+          <a:prstGeom prst="rect">
+            <a:avLst/>
+          </a:prstGeom>
+          <a:ln>
+            <a:noFill/>
+          </a:ln>
+          <a:effectLst>
+            <a:outerShdw blurRad="292100" dist="139700" dir="2700000" algn="tl" rotWithShape="0">
+              <a:srgbClr val="333333">
+                <a:alpha val="65000"/>
+              </a:srgbClr>
+            </a:outerShdw>
+          </a:effectLst>
+        </p:spPr>
+      </p:pic>
     </p:spTree>
     <p:extLst>
       <p:ext uri="{BB962C8B-B14F-4D97-AF65-F5344CB8AC3E}">
-        <p14:creationId xmlns:p14="http://schemas.microsoft.com/office/powerpoint/2010/main" val="632092243"/>
+        <p14:creationId xmlns:p14="http://schemas.microsoft.com/office/powerpoint/2010/main" val="847724839"/>
       </p:ext>
     </p:extLst>
   </p:cSld>
@@ -3441,6 +4510,13 @@
   <p:transition>
     <p:fade/>
   </p:transition>
+  <p:timing>
+    <p:tnLst>
+      <p:par>
+        <p:cTn id="1" dur="indefinite" restart="never" nodeType="tmRoot"/>
+      </p:par>
+    </p:tnLst>
+  </p:timing>
 </p:sld>
 </file>
 
@@ -3478,7 +4554,7 @@
           <a:p>
             <a:r>
               <a:rPr lang="en-US" dirty="0" smtClean="0"/>
-              <a:t>HTTP Interceptors</a:t>
+              <a:t>Summary</a:t>
             </a:r>
             <a:endParaRPr lang="en-US" dirty="0"/>
           </a:p>
@@ -3499,156 +4575,85 @@
           <a:bodyPr/>
           <a:lstStyle/>
           <a:p>
-            <a:endParaRPr lang="en-US"/>
-          </a:p>
-        </p:txBody>
-      </p:sp>
-    </p:spTree>
-    <p:extLst>
-      <p:ext uri="{BB962C8B-B14F-4D97-AF65-F5344CB8AC3E}">
-        <p14:creationId xmlns:p14="http://schemas.microsoft.com/office/powerpoint/2010/main" val="518663016"/>
-      </p:ext>
-    </p:extLst>
-  </p:cSld>
-  <p:clrMapOvr>
-    <a:masterClrMapping/>
-  </p:clrMapOvr>
-  <p:transition>
-    <p:fade/>
-  </p:transition>
-</p:sld>
-</file>
-
-<file path=ppt/slides/slide22.xml><?xml version="1.0" encoding="utf-8"?>
-<p:sld xmlns:a="http://schemas.openxmlformats.org/drawingml/2006/main" xmlns:r="http://schemas.openxmlformats.org/officeDocument/2006/relationships" xmlns:p="http://schemas.openxmlformats.org/presentationml/2006/main">
-  <p:cSld>
-    <p:spTree>
-      <p:nvGrpSpPr>
-        <p:cNvPr id="1" name=""/>
-        <p:cNvGrpSpPr/>
-        <p:nvPr/>
-      </p:nvGrpSpPr>
-      <p:grpSpPr>
-        <a:xfrm>
-          <a:off x="0" y="0"/>
-          <a:ext cx="0" cy="0"/>
-          <a:chOff x="0" y="0"/>
-          <a:chExt cx="0" cy="0"/>
-        </a:xfrm>
-      </p:grpSpPr>
-      <p:sp>
-        <p:nvSpPr>
-          <p:cNvPr id="2" name="Title 1"/>
-          <p:cNvSpPr>
-            <a:spLocks noGrp="1"/>
-          </p:cNvSpPr>
-          <p:nvPr>
-            <p:ph type="title"/>
-          </p:nvPr>
-        </p:nvSpPr>
-        <p:spPr/>
-        <p:txBody>
-          <a:bodyPr/>
-          <a:lstStyle/>
-          <a:p>
-            <a:r>
-              <a:rPr lang="en-US" dirty="0" smtClean="0"/>
-              <a:t>HTTP Transforms</a:t>
-            </a:r>
-            <a:endParaRPr lang="en-US" dirty="0"/>
-          </a:p>
-        </p:txBody>
-      </p:sp>
-      <p:sp>
-        <p:nvSpPr>
-          <p:cNvPr id="3" name="Text Placeholder 2"/>
-          <p:cNvSpPr>
-            <a:spLocks noGrp="1"/>
-          </p:cNvSpPr>
-          <p:nvPr>
-            <p:ph type="body" idx="1"/>
-          </p:nvPr>
-        </p:nvSpPr>
-        <p:spPr/>
-        <p:txBody>
-          <a:bodyPr/>
-          <a:lstStyle/>
-          <a:p>
-            <a:endParaRPr lang="en-US"/>
-          </a:p>
-        </p:txBody>
-      </p:sp>
-    </p:spTree>
-    <p:extLst>
-      <p:ext uri="{BB962C8B-B14F-4D97-AF65-F5344CB8AC3E}">
-        <p14:creationId xmlns:p14="http://schemas.microsoft.com/office/powerpoint/2010/main" val="20407956"/>
-      </p:ext>
-    </p:extLst>
-  </p:cSld>
-  <p:clrMapOvr>
-    <a:masterClrMapping/>
-  </p:clrMapOvr>
-  <p:transition>
-    <p:fade/>
-  </p:transition>
-</p:sld>
-</file>
-
-<file path=ppt/slides/slide23.xml><?xml version="1.0" encoding="utf-8"?>
-<p:sld xmlns:a="http://schemas.openxmlformats.org/drawingml/2006/main" xmlns:r="http://schemas.openxmlformats.org/officeDocument/2006/relationships" xmlns:p="http://schemas.openxmlformats.org/presentationml/2006/main">
-  <p:cSld>
-    <p:spTree>
-      <p:nvGrpSpPr>
-        <p:cNvPr id="1" name=""/>
-        <p:cNvGrpSpPr/>
-        <p:nvPr/>
-      </p:nvGrpSpPr>
-      <p:grpSpPr>
-        <a:xfrm>
-          <a:off x="0" y="0"/>
-          <a:ext cx="0" cy="0"/>
-          <a:chOff x="0" y="0"/>
-          <a:chExt cx="0" cy="0"/>
-        </a:xfrm>
-      </p:grpSpPr>
-      <p:sp>
-        <p:nvSpPr>
-          <p:cNvPr id="2" name="Title 1"/>
-          <p:cNvSpPr>
-            <a:spLocks noGrp="1"/>
-          </p:cNvSpPr>
-          <p:nvPr>
-            <p:ph type="title"/>
-          </p:nvPr>
-        </p:nvSpPr>
-        <p:spPr/>
-        <p:txBody>
-          <a:bodyPr/>
-          <a:lstStyle/>
-          <a:p>
-            <a:r>
-              <a:rPr lang="en-US" dirty="0" smtClean="0"/>
-              <a:t>Summary</a:t>
-            </a:r>
-            <a:endParaRPr lang="en-US" dirty="0"/>
-          </a:p>
-        </p:txBody>
-      </p:sp>
-      <p:sp>
-        <p:nvSpPr>
-          <p:cNvPr id="3" name="Text Placeholder 2"/>
-          <p:cNvSpPr>
-            <a:spLocks noGrp="1"/>
-          </p:cNvSpPr>
-          <p:nvPr>
-            <p:ph type="body" idx="1"/>
-          </p:nvPr>
-        </p:nvSpPr>
-        <p:spPr/>
-        <p:txBody>
-          <a:bodyPr/>
-          <a:lstStyle/>
-          <a:p>
+            <a:r>
+              <a:rPr lang="en-US" dirty="0" smtClean="0"/>
+              <a:t>Services are</a:t>
+            </a:r>
+          </a:p>
+          <a:p>
+            <a:pPr lvl="1"/>
+            <a:r>
+              <a:rPr lang="en-US" dirty="0" smtClean="0"/>
+              <a:t>Injectable</a:t>
+            </a:r>
+          </a:p>
+          <a:p>
+            <a:pPr lvl="1"/>
+            <a:r>
+              <a:rPr lang="en-US" dirty="0" smtClean="0"/>
+              <a:t>Replaceable</a:t>
+            </a:r>
+          </a:p>
+          <a:p>
+            <a:pPr lvl="1"/>
+            <a:r>
+              <a:rPr lang="en-US" dirty="0" err="1" smtClean="0"/>
+              <a:t>Decoratable</a:t>
+            </a:r>
+            <a:endParaRPr lang="en-US" dirty="0" smtClean="0"/>
+          </a:p>
+          <a:p>
+            <a:r>
+              <a:rPr lang="en-US" dirty="0" smtClean="0"/>
+              <a:t>Create services and service providers</a:t>
+            </a:r>
+          </a:p>
+          <a:p>
+            <a:pPr lvl="1"/>
+            <a:r>
+              <a:rPr lang="en-US" dirty="0" smtClean="0"/>
+              <a:t>$provider</a:t>
+            </a:r>
+          </a:p>
+          <a:p>
+            <a:pPr lvl="1"/>
+            <a:r>
+              <a:rPr lang="en-US" dirty="0"/>
+              <a:t>f</a:t>
+            </a:r>
+            <a:r>
+              <a:rPr lang="en-US" dirty="0" smtClean="0"/>
+              <a:t>actory</a:t>
+            </a:r>
+          </a:p>
+          <a:p>
+            <a:pPr lvl="1"/>
+            <a:r>
+              <a:rPr lang="en-US" dirty="0" smtClean="0"/>
+              <a:t>service</a:t>
+            </a:r>
+          </a:p>
+          <a:p>
+            <a:pPr lvl="1"/>
+            <a:r>
+              <a:rPr lang="en-US" dirty="0"/>
+              <a:t>v</a:t>
+            </a:r>
+            <a:r>
+              <a:rPr lang="en-US" dirty="0" smtClean="0"/>
+              <a:t>alue</a:t>
+            </a:r>
+          </a:p>
+          <a:p>
+            <a:pPr lvl="1"/>
+            <a:r>
+              <a:rPr lang="en-US" dirty="0" err="1" smtClean="0"/>
+              <a:t>contanst</a:t>
+            </a:r>
+            <a:endParaRPr lang="en-US" dirty="0" smtClean="0"/>
+          </a:p>
+          <a:p>
+            <a:pPr lvl="1"/>
             <a:endParaRPr lang="en-US" dirty="0"/>
           </a:p>
         </p:txBody>
@@ -3707,6 +4712,13 @@
   <p:transition>
     <p:fade/>
   </p:transition>
+  <p:timing>
+    <p:tnLst>
+      <p:par>
+        <p:cTn id="1" dur="indefinite" restart="never" nodeType="tmRoot"/>
+      </p:par>
+    </p:tnLst>
+  </p:timing>
 </p:sld>
 </file>
 
@@ -3783,14 +4795,27 @@
           <a:p>
             <a:r>
               <a:rPr lang="en-US" dirty="0" smtClean="0"/>
-              <a:t>Services can hold state</a:t>
-            </a:r>
-          </a:p>
-          <a:p>
-            <a:r>
-              <a:rPr lang="en-US" dirty="0" smtClean="0"/>
-              <a:t>Services are singletons</a:t>
-            </a:r>
+              <a:t>Services </a:t>
+            </a:r>
+            <a:r>
+              <a:rPr lang="en-US" dirty="0" smtClean="0"/>
+              <a:t>are </a:t>
+            </a:r>
+            <a:r>
+              <a:rPr lang="en-US" dirty="0" smtClean="0"/>
+              <a:t>singletons</a:t>
+            </a:r>
+          </a:p>
+          <a:p>
+            <a:r>
+              <a:rPr lang="en-US" dirty="0"/>
+              <a:t>Services can hold </a:t>
+            </a:r>
+            <a:r>
+              <a:rPr lang="en-US" dirty="0" smtClean="0"/>
+              <a:t>state</a:t>
+            </a:r>
+            <a:endParaRPr lang="en-US" dirty="0" smtClean="0"/>
           </a:p>
           <a:p>
             <a:r>
@@ -3800,6 +4825,47 @@
           </a:p>
         </p:txBody>
       </p:sp>
+      <p:pic>
+        <p:nvPicPr>
+          <p:cNvPr id="1026" name="Picture 2" descr="Batarang dependencies tab screenshot"/>
+          <p:cNvPicPr>
+            <a:picLocks noChangeAspect="1" noChangeArrowheads="1"/>
+          </p:cNvPicPr>
+          <p:nvPr/>
+        </p:nvPicPr>
+        <p:blipFill>
+          <a:blip r:embed="rId2">
+            <a:extLst>
+              <a:ext uri="{28A0092B-C50C-407E-A947-70E740481C1C}">
+                <a14:useLocalDpi xmlns:a14="http://schemas.microsoft.com/office/drawing/2010/main" val="0"/>
+              </a:ext>
+            </a:extLst>
+          </a:blip>
+          <a:srcRect/>
+          <a:stretch>
+            <a:fillRect/>
+          </a:stretch>
+        </p:blipFill>
+        <p:spPr bwMode="auto">
+          <a:xfrm>
+            <a:off x="4362539" y="854075"/>
+            <a:ext cx="4781461" cy="6003925"/>
+          </a:xfrm>
+          <a:prstGeom prst="rect">
+            <a:avLst/>
+          </a:prstGeom>
+          <a:noFill/>
+          <a:extLst>
+            <a:ext uri="{909E8E84-426E-40DD-AFC4-6F175D3DCCD1}">
+              <a14:hiddenFill xmlns:a14="http://schemas.microsoft.com/office/drawing/2010/main">
+                <a:solidFill>
+                  <a:srgbClr val="FFFFFF"/>
+                </a:solidFill>
+              </a14:hiddenFill>
+            </a:ext>
+          </a:extLst>
+        </p:spPr>
+      </p:pic>
     </p:spTree>
     <p:extLst>
       <p:ext uri="{BB962C8B-B14F-4D97-AF65-F5344CB8AC3E}">
@@ -3813,6 +4879,13 @@
   <p:transition>
     <p:fade/>
   </p:transition>
+  <p:timing>
+    <p:tnLst>
+      <p:par>
+        <p:cTn id="1" dur="indefinite" restart="never" nodeType="tmRoot"/>
+      </p:par>
+    </p:tnLst>
+  </p:timing>
 </p:sld>
 </file>
 
@@ -3871,10 +4944,129 @@
           <a:bodyPr/>
           <a:lstStyle/>
           <a:p>
-            <a:endParaRPr lang="en-US"/>
+            <a:r>
+              <a:rPr lang="en-US" dirty="0" err="1"/>
+              <a:t>n</a:t>
+            </a:r>
+            <a:r>
+              <a:rPr lang="en-US" dirty="0" err="1" smtClean="0"/>
+              <a:t>g</a:t>
+            </a:r>
+            <a:r>
+              <a:rPr lang="en-US" dirty="0" smtClean="0"/>
+              <a:t> services</a:t>
+            </a:r>
+          </a:p>
+          <a:p>
+            <a:pPr lvl="1"/>
+            <a:r>
+              <a:rPr lang="en-US" dirty="0" smtClean="0"/>
+              <a:t>Deferred objects</a:t>
+            </a:r>
+          </a:p>
+          <a:p>
+            <a:pPr lvl="1"/>
+            <a:r>
+              <a:rPr lang="en-US" dirty="0" smtClean="0"/>
+              <a:t>Logging</a:t>
+            </a:r>
+          </a:p>
+          <a:p>
+            <a:pPr lvl="1"/>
+            <a:r>
+              <a:rPr lang="en-US" dirty="0" smtClean="0"/>
+              <a:t>Window and browser interaction</a:t>
+            </a:r>
+          </a:p>
+          <a:p>
+            <a:r>
+              <a:rPr lang="en-US" dirty="0" err="1" smtClean="0"/>
+              <a:t>n</a:t>
+            </a:r>
+            <a:r>
+              <a:rPr lang="en-US" dirty="0" err="1" smtClean="0"/>
+              <a:t>gRoute</a:t>
+            </a:r>
+            <a:r>
+              <a:rPr lang="en-US" dirty="0" smtClean="0"/>
+              <a:t> services</a:t>
+            </a:r>
+          </a:p>
+          <a:p>
+            <a:r>
+              <a:rPr lang="en-US" dirty="0" err="1" smtClean="0"/>
+              <a:t>ngAnimate</a:t>
+            </a:r>
+            <a:r>
+              <a:rPr lang="en-US" dirty="0" smtClean="0"/>
+              <a:t> services</a:t>
+            </a:r>
+          </a:p>
+          <a:p>
+            <a:r>
+              <a:rPr lang="en-US" dirty="0" err="1" smtClean="0"/>
+              <a:t>ngResource</a:t>
+            </a:r>
+            <a:endParaRPr lang="en-US" dirty="0" smtClean="0"/>
+          </a:p>
+          <a:p>
+            <a:r>
+              <a:rPr lang="en-US" dirty="0" err="1" smtClean="0"/>
+              <a:t>ngCookies</a:t>
+            </a:r>
+            <a:endParaRPr lang="en-US" dirty="0" smtClean="0"/>
+          </a:p>
+          <a:p>
+            <a:r>
+              <a:rPr lang="en-US" dirty="0" err="1" smtClean="0"/>
+              <a:t>ngTouch</a:t>
+            </a:r>
+            <a:endParaRPr lang="en-US" dirty="0" smtClean="0"/>
+          </a:p>
+          <a:p>
+            <a:r>
+              <a:rPr lang="en-US" dirty="0" err="1" smtClean="0"/>
+              <a:t>ngSanitize</a:t>
+            </a:r>
+            <a:endParaRPr lang="en-US" dirty="0" smtClean="0"/>
+          </a:p>
+          <a:p>
+            <a:r>
+              <a:rPr lang="en-US" dirty="0" err="1" smtClean="0"/>
+              <a:t>ngMock</a:t>
+            </a:r>
+            <a:r>
+              <a:rPr lang="en-US" dirty="0" smtClean="0"/>
+              <a:t> </a:t>
+            </a:r>
+            <a:endParaRPr lang="en-US" dirty="0"/>
           </a:p>
         </p:txBody>
       </p:sp>
+      <p:pic>
+        <p:nvPicPr>
+          <p:cNvPr id="4" name="Picture 3"/>
+          <p:cNvPicPr>
+            <a:picLocks noChangeAspect="1"/>
+          </p:cNvPicPr>
+          <p:nvPr/>
+        </p:nvPicPr>
+        <p:blipFill>
+          <a:blip r:embed="rId2"/>
+          <a:stretch>
+            <a:fillRect/>
+          </a:stretch>
+        </p:blipFill>
+        <p:spPr>
+          <a:xfrm>
+            <a:off x="6172200" y="533400"/>
+            <a:ext cx="1724025" cy="5838825"/>
+          </a:xfrm>
+          <a:prstGeom prst="rect">
+            <a:avLst/>
+          </a:prstGeom>
+        </p:spPr>
+      </p:pic>
     </p:spTree>
     <p:extLst>
       <p:ext uri="{BB962C8B-B14F-4D97-AF65-F5344CB8AC3E}">
@@ -3888,6 +5080,13 @@
   <p:transition>
     <p:fade/>
   </p:transition>
+  <p:timing>
+    <p:tnLst>
+      <p:par>
+        <p:cTn id="1" dur="indefinite" restart="never" nodeType="tmRoot"/>
+      </p:par>
+    </p:tnLst>
+  </p:timing>
 </p:sld>
 </file>
 
@@ -3950,10 +5149,56 @@
           <a:bodyPr/>
           <a:lstStyle/>
           <a:p>
-            <a:endParaRPr lang="en-US"/>
+            <a:endParaRPr lang="en-US" dirty="0"/>
           </a:p>
         </p:txBody>
       </p:sp>
+      <p:pic>
+        <p:nvPicPr>
+          <p:cNvPr id="4" name="Picture 3"/>
+          <p:cNvPicPr>
+            <a:picLocks noChangeAspect="1"/>
+          </p:cNvPicPr>
+          <p:nvPr/>
+        </p:nvPicPr>
+        <p:blipFill>
+          <a:blip r:embed="rId2">
+            <a:extLst>
+              <a:ext uri="{BEBA8EAE-BF5A-486C-A8C5-ECC9F3942E4B}">
+                <a14:imgProps xmlns:a14="http://schemas.microsoft.com/office/drawing/2010/main">
+                  <a14:imgLayer r:embed="rId3">
+                    <a14:imgEffect>
+                      <a14:colorTemperature colorTemp="11200"/>
+                    </a14:imgEffect>
+                  </a14:imgLayer>
+                </a14:imgProps>
+              </a:ext>
+            </a:extLst>
+          </a:blip>
+          <a:stretch>
+            <a:fillRect/>
+          </a:stretch>
+        </p:blipFill>
+        <p:spPr>
+          <a:xfrm>
+            <a:off x="1290637" y="2362200"/>
+            <a:ext cx="6562725" cy="2990850"/>
+          </a:xfrm>
+          <a:prstGeom prst="rect">
+            <a:avLst/>
+          </a:prstGeom>
+          <a:ln>
+            <a:noFill/>
+          </a:ln>
+          <a:effectLst>
+            <a:outerShdw blurRad="292100" dist="139700" dir="2700000" algn="tl" rotWithShape="0">
+              <a:srgbClr val="333333">
+                <a:alpha val="65000"/>
+              </a:srgbClr>
+            </a:outerShdw>
+          </a:effectLst>
+        </p:spPr>
+      </p:pic>
     </p:spTree>
     <p:extLst>
       <p:ext uri="{BB962C8B-B14F-4D97-AF65-F5344CB8AC3E}">
@@ -3967,6 +5212,13 @@
   <p:transition>
     <p:fade/>
   </p:transition>
+  <p:timing>
+    <p:tnLst>
+      <p:par>
+        <p:cTn id="1" dur="indefinite" restart="never" nodeType="tmRoot"/>
+      </p:par>
+    </p:tnLst>
+  </p:timing>
 </p:sld>
 </file>
 
@@ -4029,10 +5281,67 @@
           <a:bodyPr/>
           <a:lstStyle/>
           <a:p>
-            <a:endParaRPr lang="en-US"/>
+            <a:r>
+              <a:rPr lang="en-US" dirty="0" smtClean="0"/>
+              <a:t>Create and manage named caches</a:t>
+            </a:r>
+          </a:p>
+          <a:p>
+            <a:pPr lvl="1"/>
+            <a:r>
+              <a:rPr lang="en-US" dirty="0" smtClean="0"/>
+              <a:t>Use capacity parameter to create an LRU cache</a:t>
+            </a:r>
+            <a:endParaRPr lang="en-US" dirty="0"/>
           </a:p>
         </p:txBody>
       </p:sp>
+      <p:pic>
+        <p:nvPicPr>
+          <p:cNvPr id="4" name="Picture 3"/>
+          <p:cNvPicPr>
+            <a:picLocks noChangeAspect="1"/>
+          </p:cNvPicPr>
+          <p:nvPr/>
+        </p:nvPicPr>
+        <p:blipFill>
+          <a:blip r:embed="rId2">
+            <a:extLst>
+              <a:ext uri="{BEBA8EAE-BF5A-486C-A8C5-ECC9F3942E4B}">
+                <a14:imgProps xmlns:a14="http://schemas.microsoft.com/office/drawing/2010/main">
+                  <a14:imgLayer r:embed="rId3">
+                    <a14:imgEffect>
+                      <a14:colorTemperature colorTemp="11200"/>
+                    </a14:imgEffect>
+                  </a14:imgLayer>
+                </a14:imgProps>
+              </a:ext>
+            </a:extLst>
+          </a:blip>
+          <a:stretch>
+            <a:fillRect/>
+          </a:stretch>
+        </p:blipFill>
+        <p:spPr>
+          <a:xfrm>
+            <a:off x="1638300" y="2667000"/>
+            <a:ext cx="5600700" cy="2771775"/>
+          </a:xfrm>
+          <a:prstGeom prst="rect">
+            <a:avLst/>
+          </a:prstGeom>
+          <a:ln>
+            <a:noFill/>
+          </a:ln>
+          <a:effectLst>
+            <a:outerShdw blurRad="292100" dist="139700" dir="2700000" algn="tl" rotWithShape="0">
+              <a:srgbClr val="333333">
+                <a:alpha val="65000"/>
+              </a:srgbClr>
+            </a:outerShdw>
+          </a:effectLst>
+        </p:spPr>
+      </p:pic>
     </p:spTree>
     <p:extLst>
       <p:ext uri="{BB962C8B-B14F-4D97-AF65-F5344CB8AC3E}">
@@ -4046,6 +5355,13 @@
   <p:transition>
     <p:fade/>
   </p:transition>
+  <p:timing>
+    <p:tnLst>
+      <p:par>
+        <p:cTn id="1" dur="indefinite" restart="never" nodeType="tmRoot"/>
+      </p:par>
+    </p:tnLst>
+  </p:timing>
 </p:sld>
 </file>
 
@@ -4083,7 +5399,7 @@
           <a:p>
             <a:r>
               <a:rPr lang="en-US" dirty="0" smtClean="0"/>
-              <a:t>$locale</a:t>
+              <a:t>Promises and $q</a:t>
             </a:r>
             <a:endParaRPr lang="en-US" dirty="0"/>
           </a:p>
@@ -4104,14 +5420,111 @@
           <a:bodyPr/>
           <a:lstStyle/>
           <a:p>
-            <a:endParaRPr lang="en-US"/>
+            <a:r>
+              <a:rPr lang="en-US" dirty="0"/>
+              <a:t>Follows </a:t>
+            </a:r>
+            <a:r>
+              <a:rPr lang="en-US" dirty="0" err="1"/>
+              <a:t>CommonJS</a:t>
+            </a:r>
+            <a:r>
+              <a:rPr lang="en-US" dirty="0"/>
+              <a:t> promise </a:t>
+            </a:r>
+            <a:r>
+              <a:rPr lang="en-US" dirty="0" smtClean="0"/>
+              <a:t>specification</a:t>
+            </a:r>
+            <a:endParaRPr lang="en-US" dirty="0" smtClean="0"/>
+          </a:p>
+          <a:p>
+            <a:r>
+              <a:rPr lang="en-US" dirty="0" smtClean="0"/>
+              <a:t>$</a:t>
+            </a:r>
+            <a:r>
+              <a:rPr lang="en-US" dirty="0" smtClean="0"/>
+              <a:t>q can build a </a:t>
+            </a:r>
+            <a:r>
+              <a:rPr lang="en-US" dirty="0" smtClean="0"/>
+              <a:t>deferred object</a:t>
+            </a:r>
+          </a:p>
+          <a:p>
+            <a:pPr lvl="1"/>
+            <a:r>
+              <a:rPr lang="en-US" dirty="0" smtClean="0"/>
+              <a:t>Use resolve, reject, notify</a:t>
+            </a:r>
+          </a:p>
+          <a:p>
+            <a:r>
+              <a:rPr lang="en-US" dirty="0" smtClean="0"/>
+              <a:t>Deferred object can return a promise</a:t>
+            </a:r>
+          </a:p>
+          <a:p>
+            <a:pPr lvl="1"/>
+            <a:r>
+              <a:rPr lang="en-US" dirty="0" smtClean="0"/>
+              <a:t>Use then, catch, finally*</a:t>
+            </a:r>
+            <a:endParaRPr lang="en-US" dirty="0" smtClean="0"/>
           </a:p>
         </p:txBody>
       </p:sp>
+      <p:pic>
+        <p:nvPicPr>
+          <p:cNvPr id="4" name="Picture 3"/>
+          <p:cNvPicPr>
+            <a:picLocks noChangeAspect="1"/>
+          </p:cNvPicPr>
+          <p:nvPr/>
+        </p:nvPicPr>
+        <p:blipFill>
+          <a:blip r:embed="rId2">
+            <a:extLst>
+              <a:ext uri="{BEBA8EAE-BF5A-486C-A8C5-ECC9F3942E4B}">
+                <a14:imgProps xmlns:a14="http://schemas.microsoft.com/office/drawing/2010/main">
+                  <a14:imgLayer r:embed="rId3">
+                    <a14:imgEffect>
+                      <a14:colorTemperature colorTemp="11200"/>
+                    </a14:imgEffect>
+                  </a14:imgLayer>
+                </a14:imgProps>
+              </a:ext>
+            </a:extLst>
+          </a:blip>
+          <a:stretch>
+            <a:fillRect/>
+          </a:stretch>
+        </p:blipFill>
+        <p:spPr>
+          <a:xfrm>
+            <a:off x="1433512" y="3429000"/>
+            <a:ext cx="6276975" cy="3095625"/>
+          </a:xfrm>
+          <a:prstGeom prst="rect">
+            <a:avLst/>
+          </a:prstGeom>
+          <a:ln>
+            <a:noFill/>
+          </a:ln>
+          <a:effectLst>
+            <a:outerShdw blurRad="292100" dist="139700" dir="2700000" algn="tl" rotWithShape="0">
+              <a:srgbClr val="333333">
+                <a:alpha val="65000"/>
+              </a:srgbClr>
+            </a:outerShdw>
+          </a:effectLst>
+        </p:spPr>
+      </p:pic>
     </p:spTree>
     <p:extLst>
       <p:ext uri="{BB962C8B-B14F-4D97-AF65-F5344CB8AC3E}">
-        <p14:creationId xmlns:p14="http://schemas.microsoft.com/office/powerpoint/2010/main" val="211634742"/>
+        <p14:creationId xmlns:p14="http://schemas.microsoft.com/office/powerpoint/2010/main" val="1595699051"/>
       </p:ext>
     </p:extLst>
   </p:cSld>
@@ -4121,6 +5534,13 @@
   <p:transition>
     <p:fade/>
   </p:transition>
+  <p:timing>
+    <p:tnLst>
+      <p:par>
+        <p:cTn id="1" dur="indefinite" restart="never" nodeType="tmRoot"/>
+      </p:par>
+    </p:tnLst>
+  </p:timing>
 </p:sld>
 </file>
 
@@ -4158,7 +5578,7 @@
           <a:p>
             <a:r>
               <a:rPr lang="en-US" dirty="0" smtClean="0"/>
-              <a:t>Promises and $q</a:t>
+              <a:t>$timeout</a:t>
             </a:r>
             <a:endParaRPr lang="en-US" dirty="0"/>
           </a:p>
@@ -4181,30 +5601,81 @@
           <a:p>
             <a:r>
               <a:rPr lang="en-US" dirty="0" smtClean="0"/>
-              <a:t>$q can build a promise object</a:t>
-            </a:r>
-          </a:p>
-          <a:p>
-            <a:r>
-              <a:rPr lang="en-US" dirty="0" smtClean="0"/>
-              <a:t>Follows </a:t>
+              <a:t>Use instead of </a:t>
             </a:r>
             <a:r>
               <a:rPr lang="en-US" dirty="0" err="1" smtClean="0"/>
-              <a:t>CommonJS</a:t>
-            </a:r>
-            <a:r>
-              <a:rPr lang="en-US" dirty="0" smtClean="0"/>
-              <a:t> promise specification</a:t>
+              <a:t>setTimeout</a:t>
+            </a:r>
+            <a:endParaRPr lang="en-US" dirty="0" smtClean="0"/>
+          </a:p>
+          <a:p>
+            <a:pPr lvl="1"/>
+            <a:r>
+              <a:rPr lang="en-US" dirty="0" smtClean="0"/>
+              <a:t>Works with the digest cycle</a:t>
+            </a:r>
+          </a:p>
+          <a:p>
+            <a:pPr lvl="1"/>
+            <a:r>
+              <a:rPr lang="en-US" dirty="0" smtClean="0"/>
+              <a:t>Testable</a:t>
             </a:r>
             <a:endParaRPr lang="en-US" dirty="0"/>
           </a:p>
         </p:txBody>
       </p:sp>
+      <p:pic>
+        <p:nvPicPr>
+          <p:cNvPr id="4" name="Picture 3"/>
+          <p:cNvPicPr>
+            <a:picLocks noChangeAspect="1"/>
+          </p:cNvPicPr>
+          <p:nvPr/>
+        </p:nvPicPr>
+        <p:blipFill>
+          <a:blip r:embed="rId2">
+            <a:extLst>
+              <a:ext uri="{BEBA8EAE-BF5A-486C-A8C5-ECC9F3942E4B}">
+                <a14:imgProps xmlns:a14="http://schemas.microsoft.com/office/drawing/2010/main">
+                  <a14:imgLayer r:embed="rId3">
+                    <a14:imgEffect>
+                      <a14:colorTemperature colorTemp="11200"/>
+                    </a14:imgEffect>
+                  </a14:imgLayer>
+                </a14:imgProps>
+              </a:ext>
+            </a:extLst>
+          </a:blip>
+          <a:stretch>
+            <a:fillRect/>
+          </a:stretch>
+        </p:blipFill>
+        <p:spPr>
+          <a:xfrm>
+            <a:off x="1371600" y="2809875"/>
+            <a:ext cx="6296025" cy="2981325"/>
+          </a:xfrm>
+          <a:prstGeom prst="rect">
+            <a:avLst/>
+          </a:prstGeom>
+          <a:ln>
+            <a:noFill/>
+          </a:ln>
+          <a:effectLst>
+            <a:outerShdw blurRad="292100" dist="139700" dir="2700000" algn="tl" rotWithShape="0">
+              <a:srgbClr val="333333">
+                <a:alpha val="65000"/>
+              </a:srgbClr>
+            </a:outerShdw>
+          </a:effectLst>
+        </p:spPr>
+      </p:pic>
     </p:spTree>
     <p:extLst>
       <p:ext uri="{BB962C8B-B14F-4D97-AF65-F5344CB8AC3E}">
-        <p14:creationId xmlns:p14="http://schemas.microsoft.com/office/powerpoint/2010/main" val="1595699051"/>
+        <p14:creationId xmlns:p14="http://schemas.microsoft.com/office/powerpoint/2010/main" val="474860773"/>
       </p:ext>
     </p:extLst>
   </p:cSld>
@@ -4214,6 +5685,13 @@
   <p:transition>
     <p:fade/>
   </p:transition>
+  <p:timing>
+    <p:tnLst>
+      <p:par>
+        <p:cTn id="1" dur="indefinite" restart="never" nodeType="tmRoot"/>
+      </p:par>
+    </p:tnLst>
+  </p:timing>
 </p:sld>
 </file>
 
@@ -4251,7 +5729,7 @@
           <a:p>
             <a:r>
               <a:rPr lang="en-US" dirty="0" smtClean="0"/>
-              <a:t>$timeout</a:t>
+              <a:t>$window and $document</a:t>
             </a:r>
             <a:endParaRPr lang="en-US" dirty="0"/>
           </a:p>
@@ -4272,14 +5750,79 @@
           <a:bodyPr/>
           <a:lstStyle/>
           <a:p>
-            <a:endParaRPr lang="en-US"/>
+            <a:r>
+              <a:rPr lang="en-US" dirty="0" smtClean="0"/>
+              <a:t>Use instead of window and document </a:t>
+            </a:r>
+            <a:r>
+              <a:rPr lang="en-US" dirty="0" err="1" smtClean="0"/>
+              <a:t>globals</a:t>
+            </a:r>
+            <a:endParaRPr lang="en-US" dirty="0" smtClean="0"/>
+          </a:p>
+          <a:p>
+            <a:pPr lvl="1"/>
+            <a:r>
+              <a:rPr lang="en-US" dirty="0" smtClean="0"/>
+              <a:t>Testable</a:t>
+            </a:r>
+          </a:p>
+          <a:p>
+            <a:pPr lvl="1"/>
+            <a:endParaRPr lang="en-US" dirty="0"/>
           </a:p>
         </p:txBody>
       </p:sp>
+      <p:pic>
+        <p:nvPicPr>
+          <p:cNvPr id="4" name="Picture 3"/>
+          <p:cNvPicPr>
+            <a:picLocks noChangeAspect="1"/>
+          </p:cNvPicPr>
+          <p:nvPr/>
+        </p:nvPicPr>
+        <p:blipFill>
+          <a:blip r:embed="rId2">
+            <a:extLst>
+              <a:ext uri="{BEBA8EAE-BF5A-486C-A8C5-ECC9F3942E4B}">
+                <a14:imgProps xmlns:a14="http://schemas.microsoft.com/office/drawing/2010/main">
+                  <a14:imgLayer r:embed="rId3">
+                    <a14:imgEffect>
+                      <a14:colorTemperature colorTemp="11200"/>
+                    </a14:imgEffect>
+                  </a14:imgLayer>
+                </a14:imgProps>
+              </a:ext>
+            </a:extLst>
+          </a:blip>
+          <a:stretch>
+            <a:fillRect/>
+          </a:stretch>
+        </p:blipFill>
+        <p:spPr>
+          <a:xfrm>
+            <a:off x="2243137" y="2819400"/>
+            <a:ext cx="4657725" cy="1619250"/>
+          </a:xfrm>
+          <a:prstGeom prst="rect">
+            <a:avLst/>
+          </a:prstGeom>
+          <a:ln>
+            <a:noFill/>
+          </a:ln>
+          <a:effectLst>
+            <a:outerShdw blurRad="292100" dist="139700" dir="2700000" algn="tl" rotWithShape="0">
+              <a:srgbClr val="333333">
+                <a:alpha val="65000"/>
+              </a:srgbClr>
+            </a:outerShdw>
+          </a:effectLst>
+        </p:spPr>
+      </p:pic>
     </p:spTree>
     <p:extLst>
       <p:ext uri="{BB962C8B-B14F-4D97-AF65-F5344CB8AC3E}">
-        <p14:creationId xmlns:p14="http://schemas.microsoft.com/office/powerpoint/2010/main" val="474860773"/>
+        <p14:creationId xmlns:p14="http://schemas.microsoft.com/office/powerpoint/2010/main" val="4055633305"/>
       </p:ext>
     </p:extLst>
   </p:cSld>
@@ -4289,6 +5832,13 @@
   <p:transition>
     <p:fade/>
   </p:transition>
+  <p:timing>
+    <p:tnLst>
+      <p:par>
+        <p:cTn id="1" dur="indefinite" restart="never" nodeType="tmRoot"/>
+      </p:par>
+    </p:tnLst>
+  </p:timing>
 </p:sld>
 </file>
 

--- a/angularjs/slides/04_Services.pptx
+++ b/angularjs/slides/04_Services.pptx
@@ -284,7 +284,7 @@
               <a:pPr>
                 <a:defRPr/>
               </a:pPr>
-              <a:t>11/26/2013</a:t>
+              <a:t>12/2/2013</a:t>
             </a:fld>
             <a:endParaRPr lang="en-US"/>
           </a:p>
@@ -4795,15 +4795,7 @@
           <a:p>
             <a:r>
               <a:rPr lang="en-US" dirty="0" smtClean="0"/>
-              <a:t>Services </a:t>
-            </a:r>
-            <a:r>
-              <a:rPr lang="en-US" dirty="0" smtClean="0"/>
-              <a:t>are </a:t>
-            </a:r>
-            <a:r>
-              <a:rPr lang="en-US" dirty="0" smtClean="0"/>
-              <a:t>singletons</a:t>
+              <a:t>Services are singletons</a:t>
             </a:r>
           </a:p>
           <a:p>
@@ -4815,7 +4807,6 @@
               <a:rPr lang="en-US" dirty="0" smtClean="0"/>
               <a:t>state</a:t>
             </a:r>
-            <a:endParaRPr lang="en-US" dirty="0" smtClean="0"/>
           </a:p>
           <a:p>
             <a:r>
@@ -4981,11 +4972,7 @@
           <a:p>
             <a:r>
               <a:rPr lang="en-US" dirty="0" err="1" smtClean="0"/>
-              <a:t>n</a:t>
-            </a:r>
-            <a:r>
-              <a:rPr lang="en-US" dirty="0" err="1" smtClean="0"/>
-              <a:t>gRoute</a:t>
+              <a:t>ngRoute</a:t>
             </a:r>
             <a:r>
               <a:rPr lang="en-US" dirty="0" smtClean="0"/>
@@ -5436,20 +5423,11 @@
               <a:rPr lang="en-US" dirty="0" smtClean="0"/>
               <a:t>specification</a:t>
             </a:r>
-            <a:endParaRPr lang="en-US" dirty="0" smtClean="0"/>
-          </a:p>
-          <a:p>
-            <a:r>
-              <a:rPr lang="en-US" dirty="0" smtClean="0"/>
-              <a:t>$</a:t>
-            </a:r>
-            <a:r>
-              <a:rPr lang="en-US" dirty="0" smtClean="0"/>
-              <a:t>q can build a </a:t>
-            </a:r>
-            <a:r>
-              <a:rPr lang="en-US" dirty="0" smtClean="0"/>
-              <a:t>deferred object</a:t>
+          </a:p>
+          <a:p>
+            <a:r>
+              <a:rPr lang="en-US" dirty="0" smtClean="0"/>
+              <a:t>$q can build a deferred object</a:t>
             </a:r>
           </a:p>
           <a:p>
@@ -5471,7 +5449,6 @@
               <a:rPr lang="en-US" dirty="0" smtClean="0"/>
               <a:t>Use then, catch, finally*</a:t>
             </a:r>
-            <a:endParaRPr lang="en-US" dirty="0" smtClean="0"/>
           </a:p>
         </p:txBody>
       </p:sp>
